--- a/Apresentacao/PGPARQ01C1-2N-P1-projeto-final.pptx
+++ b/Apresentacao/PGPARQ01C1-2N-P1-projeto-final.pptx
@@ -5,7 +5,7 @@
     <p:sldMasterId id="2147483738" r:id="rId1"/>
   </p:sldMasterIdLst>
   <p:notesMasterIdLst>
-    <p:notesMasterId r:id="rId14"/>
+    <p:notesMasterId r:id="rId24"/>
   </p:notesMasterIdLst>
   <p:sldIdLst>
     <p:sldId id="256" r:id="rId2"/>
@@ -15,16 +15,26 @@
     <p:sldId id="300" r:id="rId6"/>
     <p:sldId id="294" r:id="rId7"/>
     <p:sldId id="295" r:id="rId8"/>
-    <p:sldId id="296" r:id="rId9"/>
-    <p:sldId id="301" r:id="rId10"/>
-    <p:sldId id="297" r:id="rId11"/>
-    <p:sldId id="298" r:id="rId12"/>
-    <p:sldId id="292" r:id="rId13"/>
+    <p:sldId id="302" r:id="rId9"/>
+    <p:sldId id="303" r:id="rId10"/>
+    <p:sldId id="304" r:id="rId11"/>
+    <p:sldId id="305" r:id="rId12"/>
+    <p:sldId id="306" r:id="rId13"/>
+    <p:sldId id="307" r:id="rId14"/>
+    <p:sldId id="308" r:id="rId15"/>
+    <p:sldId id="309" r:id="rId16"/>
+    <p:sldId id="310" r:id="rId17"/>
+    <p:sldId id="311" r:id="rId18"/>
+    <p:sldId id="296" r:id="rId19"/>
+    <p:sldId id="301" r:id="rId20"/>
+    <p:sldId id="297" r:id="rId21"/>
+    <p:sldId id="298" r:id="rId22"/>
+    <p:sldId id="292" r:id="rId23"/>
   </p:sldIdLst>
   <p:sldSz cx="12192000" cy="6858000"/>
   <p:notesSz cx="7104063" cy="10234613"/>
   <p:custDataLst>
-    <p:tags r:id="rId15"/>
+    <p:tags r:id="rId25"/>
   </p:custDataLst>
   <p:defaultTextStyle>
     <a:defPPr>
@@ -138,6 +148,32 @@
     </p:ext>
   </p:extLst>
 </p:presentation>
+</file>
+
+<file path=ppt/commentAuthors.xml><?xml version="1.0" encoding="utf-8"?>
+<p:cmAuthorLst xmlns:a="http://schemas.openxmlformats.org/drawingml/2006/main" xmlns:r="http://schemas.openxmlformats.org/officeDocument/2006/relationships" xmlns:p="http://schemas.openxmlformats.org/presentationml/2006/main">
+  <p:cmAuthor id="1" name="Felipe Pimentel Augusto" initials="FPA" lastIdx="1" clrIdx="0">
+    <p:extLst>
+      <p:ext uri="{19B8F6BF-5375-455C-9EA6-DF929625EA0E}">
+        <p15:presenceInfo xmlns:p15="http://schemas.microsoft.com/office/powerpoint/2012/main" userId="7f11a0f0ca2acc11" providerId="Windows Live"/>
+      </p:ext>
+    </p:extLst>
+  </p:cmAuthor>
+</p:cmAuthorLst>
+</file>
+
+<file path=ppt/comments/comment1.xml><?xml version="1.0" encoding="utf-8"?>
+<p:cmLst xmlns:a="http://schemas.openxmlformats.org/drawingml/2006/main" xmlns:r="http://schemas.openxmlformats.org/officeDocument/2006/relationships" xmlns:p="http://schemas.openxmlformats.org/presentationml/2006/main">
+  <p:cm authorId="1" dt="2021-06-06T22:34:13.722" idx="1">
+    <p:pos x="10" y="10"/>
+    <p:text/>
+    <p:extLst>
+      <p:ext uri="{C676402C-5697-4E1C-873F-D02D1690AC5C}">
+        <p15:threadingInfo xmlns:p15="http://schemas.microsoft.com/office/powerpoint/2012/main" timeZoneBias="180"/>
+      </p:ext>
+    </p:extLst>
+  </p:cm>
+</p:cmLst>
 </file>
 
 <file path=ppt/notesMasters/notesMaster1.xml><?xml version="1.0" encoding="utf-8"?>
@@ -642,7 +678,7 @@
             <a:fld id="{788568F6-5D13-43A5-A7AE-BAB951121075}" type="slidenum">
               <a:rPr lang="pt-BR" smtClean="0"/>
               <a:pPr/>
-              <a:t>12</a:t>
+              <a:t>22</a:t>
             </a:fld>
             <a:endParaRPr lang="pt-BR"/>
           </a:p>
@@ -4329,7 +4365,7 @@
         <p:spPr>
           <a:xfrm>
             <a:off x="-134911" y="0"/>
-            <a:ext cx="1758759" cy="6840036"/>
+            <a:ext cx="1758759" cy="6858000"/>
           </a:xfrm>
           <a:prstGeom prst="rect">
             <a:avLst/>
@@ -4432,15 +4468,8 @@
           <a:p>
             <a:r>
               <a:rPr lang="pt-BR" sz="4000" dirty="0"/>
-              <a:t>6&gt; </a:t>
-            </a:r>
-            <a:r>
-              <a:rPr lang="pt-BR" sz="4000" dirty="0" err="1"/>
-              <a:t>Roadmap</a:t>
-            </a:r>
-            <a:endParaRPr lang="en-US" sz="4000" dirty="0">
-              <a:cs typeface="Calibri"/>
-            </a:endParaRPr>
+              <a:t>3&gt; Arquitetura</a:t>
+            </a:r>
           </a:p>
         </p:txBody>
       </p:sp>
@@ -4449,7 +4478,7 @@
           <p:cNvPr id="6" name="Imagem 5">
             <a:extLst>
               <a:ext uri="{FF2B5EF4-FFF2-40B4-BE49-F238E27FC236}">
-                <a16:creationId xmlns:a16="http://schemas.microsoft.com/office/drawing/2014/main" id="{8B580FD7-53C6-484C-AE45-DAB10AB25317}"/>
+                <a16:creationId xmlns:a16="http://schemas.microsoft.com/office/drawing/2014/main" id="{AE2413FD-6A8C-4E2E-AB9A-C953A2D1627D}"/>
               </a:ext>
             </a:extLst>
           </p:cNvPr>
@@ -4466,8 +4495,38 @@
         </p:blipFill>
         <p:spPr>
           <a:xfrm>
-            <a:off x="1992910" y="1720879"/>
-            <a:ext cx="9913383" cy="2993734"/>
+            <a:off x="2902822" y="1478230"/>
+            <a:ext cx="7840169" cy="4277322"/>
+          </a:xfrm>
+          <a:prstGeom prst="rect">
+            <a:avLst/>
+          </a:prstGeom>
+        </p:spPr>
+      </p:pic>
+      <p:pic>
+        <p:nvPicPr>
+          <p:cNvPr id="13" name="Imagem 12">
+            <a:extLst>
+              <a:ext uri="{FF2B5EF4-FFF2-40B4-BE49-F238E27FC236}">
+                <a16:creationId xmlns:a16="http://schemas.microsoft.com/office/drawing/2014/main" id="{1812BE26-EE95-45A7-82E2-B413B0553587}"/>
+              </a:ext>
+            </a:extLst>
+          </p:cNvPr>
+          <p:cNvPicPr>
+            <a:picLocks noChangeAspect="1"/>
+          </p:cNvPicPr>
+          <p:nvPr/>
+        </p:nvPicPr>
+        <p:blipFill>
+          <a:blip r:embed="rId4"/>
+          <a:stretch>
+            <a:fillRect/>
+          </a:stretch>
+        </p:blipFill>
+        <p:spPr>
+          <a:xfrm>
+            <a:off x="10485216" y="29480"/>
+            <a:ext cx="1510268" cy="1448750"/>
           </a:xfrm>
           <a:prstGeom prst="rect">
             <a:avLst/>
@@ -4477,7 +4536,7 @@
     </p:spTree>
     <p:extLst>
       <p:ext uri="{BB962C8B-B14F-4D97-AF65-F5344CB8AC3E}">
-        <p14:creationId xmlns:p14="http://schemas.microsoft.com/office/powerpoint/2010/main" val="3464431714"/>
+        <p14:creationId xmlns:p14="http://schemas.microsoft.com/office/powerpoint/2010/main" val="3055532719"/>
       </p:ext>
     </p:extLst>
   </p:cSld>
@@ -4652,20 +4711,107 @@
           <a:p>
             <a:r>
               <a:rPr lang="pt-BR" sz="4000" dirty="0"/>
-              <a:t>7&gt; Referências</a:t>
-            </a:r>
-            <a:endParaRPr lang="en-US" sz="4000" dirty="0">
-              <a:cs typeface="Calibri"/>
-            </a:endParaRPr>
-          </a:p>
-        </p:txBody>
-      </p:sp>
-      <p:sp>
-        <p:nvSpPr>
-          <p:cNvPr id="8" name="TextBox 7">
-            <a:extLst>
-              <a:ext uri="{FF2B5EF4-FFF2-40B4-BE49-F238E27FC236}">
-                <a16:creationId xmlns:a16="http://schemas.microsoft.com/office/drawing/2014/main" id="{1702C54B-60FD-499C-8312-64CB63717FBA}"/>
+              <a:t>3&gt; Arquitetura</a:t>
+            </a:r>
+          </a:p>
+        </p:txBody>
+      </p:sp>
+      <p:pic>
+        <p:nvPicPr>
+          <p:cNvPr id="8" name="Imagem 7">
+            <a:extLst>
+              <a:ext uri="{FF2B5EF4-FFF2-40B4-BE49-F238E27FC236}">
+                <a16:creationId xmlns:a16="http://schemas.microsoft.com/office/drawing/2014/main" id="{FB9DDAFF-4D87-4AEA-9C5E-39688D124678}"/>
+              </a:ext>
+            </a:extLst>
+          </p:cNvPr>
+          <p:cNvPicPr>
+            <a:picLocks noChangeAspect="1"/>
+          </p:cNvPicPr>
+          <p:nvPr/>
+        </p:nvPicPr>
+        <p:blipFill>
+          <a:blip r:embed="rId3"/>
+          <a:stretch>
+            <a:fillRect/>
+          </a:stretch>
+        </p:blipFill>
+        <p:spPr>
+          <a:xfrm>
+            <a:off x="2167689" y="1733517"/>
+            <a:ext cx="10024311" cy="1202027"/>
+          </a:xfrm>
+          <a:prstGeom prst="rect">
+            <a:avLst/>
+          </a:prstGeom>
+        </p:spPr>
+      </p:pic>
+      <p:pic>
+        <p:nvPicPr>
+          <p:cNvPr id="10" name="Imagem 9">
+            <a:extLst>
+              <a:ext uri="{FF2B5EF4-FFF2-40B4-BE49-F238E27FC236}">
+                <a16:creationId xmlns:a16="http://schemas.microsoft.com/office/drawing/2014/main" id="{0F749A68-3113-4C37-A101-B00FB18A9909}"/>
+              </a:ext>
+            </a:extLst>
+          </p:cNvPr>
+          <p:cNvPicPr>
+            <a:picLocks noChangeAspect="1"/>
+          </p:cNvPicPr>
+          <p:nvPr/>
+        </p:nvPicPr>
+        <p:blipFill>
+          <a:blip r:embed="rId4"/>
+          <a:stretch>
+            <a:fillRect/>
+          </a:stretch>
+        </p:blipFill>
+        <p:spPr>
+          <a:xfrm>
+            <a:off x="2247112" y="4163308"/>
+            <a:ext cx="9231013" cy="1362265"/>
+          </a:xfrm>
+          <a:prstGeom prst="rect">
+            <a:avLst/>
+          </a:prstGeom>
+        </p:spPr>
+      </p:pic>
+      <p:pic>
+        <p:nvPicPr>
+          <p:cNvPr id="12" name="Imagem 11">
+            <a:extLst>
+              <a:ext uri="{FF2B5EF4-FFF2-40B4-BE49-F238E27FC236}">
+                <a16:creationId xmlns:a16="http://schemas.microsoft.com/office/drawing/2014/main" id="{973FD23E-D8F1-4DB3-AF72-F7A3E017AE49}"/>
+              </a:ext>
+            </a:extLst>
+          </p:cNvPr>
+          <p:cNvPicPr>
+            <a:picLocks noChangeAspect="1"/>
+          </p:cNvPicPr>
+          <p:nvPr/>
+        </p:nvPicPr>
+        <p:blipFill>
+          <a:blip r:embed="rId5"/>
+          <a:stretch>
+            <a:fillRect/>
+          </a:stretch>
+        </p:blipFill>
+        <p:spPr>
+          <a:xfrm>
+            <a:off x="10536219" y="136525"/>
+            <a:ext cx="1485747" cy="1445153"/>
+          </a:xfrm>
+          <a:prstGeom prst="rect">
+            <a:avLst/>
+          </a:prstGeom>
+        </p:spPr>
+      </p:pic>
+      <p:sp>
+        <p:nvSpPr>
+          <p:cNvPr id="13" name="CaixaDeTexto 12">
+            <a:extLst>
+              <a:ext uri="{FF2B5EF4-FFF2-40B4-BE49-F238E27FC236}">
+                <a16:creationId xmlns:a16="http://schemas.microsoft.com/office/drawing/2014/main" id="{5AE1B04A-90FE-4C39-BB48-239AFE30BE87}"/>
               </a:ext>
             </a:extLst>
           </p:cNvPr>
@@ -4674,8 +4820,8 @@
         </p:nvSpPr>
         <p:spPr>
           <a:xfrm>
-            <a:off x="2281561" y="1518541"/>
-            <a:ext cx="9310436" cy="1754326"/>
+            <a:off x="2379406" y="3972232"/>
+            <a:ext cx="638636" cy="369332"/>
           </a:xfrm>
           <a:prstGeom prst="rect">
             <a:avLst/>
@@ -4683,39 +4829,51 @@
           <a:noFill/>
         </p:spPr>
         <p:txBody>
-          <a:bodyPr wrap="square" rtlCol="0">
+          <a:bodyPr wrap="none" rtlCol="0">
             <a:spAutoFit/>
           </a:bodyPr>
           <a:lstStyle/>
           <a:p>
-            <a:endParaRPr lang="pt-BR" dirty="0">
-              <a:hlinkClick r:id="rId3"/>
-            </a:endParaRPr>
-          </a:p>
-          <a:p>
-            <a:endParaRPr lang="pt-BR" dirty="0">
-              <a:hlinkClick r:id="rId3"/>
-            </a:endParaRPr>
-          </a:p>
-          <a:p>
-            <a:r>
-              <a:rPr lang="pt-BR" dirty="0">
-                <a:hlinkClick r:id="rId3"/>
-              </a:rPr>
-              <a:t>https://www.sutori.com/story/arquitetura-corporativa-pgparq01c1-2n-p1--Hd2C3j3aXyG8ytpf7cNsToAf</a:t>
+            <a:r>
+              <a:rPr lang="pt-BR" dirty="0" err="1"/>
+              <a:t>ToBe</a:t>
             </a:r>
             <a:endParaRPr lang="pt-BR" dirty="0"/>
           </a:p>
-          <a:p>
-            <a:r>
-              <a:rPr lang="pt-BR" dirty="0">
-                <a:hlinkClick r:id="rId4"/>
-              </a:rPr>
-              <a:t>https://youtu.be/48IgijQig6s</a:t>
-            </a:r>
-            <a:endParaRPr lang="pt-BR" dirty="0"/>
-          </a:p>
-          <a:p>
+        </p:txBody>
+      </p:sp>
+      <p:sp>
+        <p:nvSpPr>
+          <p:cNvPr id="14" name="CaixaDeTexto 13">
+            <a:extLst>
+              <a:ext uri="{FF2B5EF4-FFF2-40B4-BE49-F238E27FC236}">
+                <a16:creationId xmlns:a16="http://schemas.microsoft.com/office/drawing/2014/main" id="{7D142E3F-77D8-4E68-8E73-B9DCB98A3CF1}"/>
+              </a:ext>
+            </a:extLst>
+          </p:cNvPr>
+          <p:cNvSpPr txBox="1"/>
+          <p:nvPr/>
+        </p:nvSpPr>
+        <p:spPr>
+          <a:xfrm>
+            <a:off x="2369113" y="1524832"/>
+            <a:ext cx="554960" cy="369332"/>
+          </a:xfrm>
+          <a:prstGeom prst="rect">
+            <a:avLst/>
+          </a:prstGeom>
+          <a:noFill/>
+        </p:spPr>
+        <p:txBody>
+          <a:bodyPr wrap="none" rtlCol="0">
+            <a:spAutoFit/>
+          </a:bodyPr>
+          <a:lstStyle/>
+          <a:p>
+            <a:r>
+              <a:rPr lang="pt-BR" dirty="0" err="1"/>
+              <a:t>AsIs</a:t>
+            </a:r>
             <a:endParaRPr lang="pt-BR" dirty="0"/>
           </a:p>
         </p:txBody>
@@ -4723,7 +4881,7 @@
     </p:spTree>
     <p:extLst>
       <p:ext uri="{BB962C8B-B14F-4D97-AF65-F5344CB8AC3E}">
-        <p14:creationId xmlns:p14="http://schemas.microsoft.com/office/powerpoint/2010/main" val="1847670266"/>
+        <p14:creationId xmlns:p14="http://schemas.microsoft.com/office/powerpoint/2010/main" val="1081077619"/>
       </p:ext>
     </p:extLst>
   </p:cSld>
@@ -4752,10 +4910,40 @@
       </p:grpSpPr>
       <p:sp>
         <p:nvSpPr>
-          <p:cNvPr id="6" name="Retângulo 5">
-            <a:extLst>
-              <a:ext uri="{FF2B5EF4-FFF2-40B4-BE49-F238E27FC236}">
-                <a16:creationId xmlns:a16="http://schemas.microsoft.com/office/drawing/2014/main" id="{1A99BFEF-E15F-4101-9163-CC25659DBF38}"/>
+          <p:cNvPr id="2" name="Espaço Reservado para Número de Slide 1">
+            <a:extLst>
+              <a:ext uri="{FF2B5EF4-FFF2-40B4-BE49-F238E27FC236}">
+                <a16:creationId xmlns:a16="http://schemas.microsoft.com/office/drawing/2014/main" id="{00A5C847-9B16-45BB-A00A-7493094466B1}"/>
+              </a:ext>
+            </a:extLst>
+          </p:cNvPr>
+          <p:cNvSpPr>
+            <a:spLocks noGrp="1"/>
+          </p:cNvSpPr>
+          <p:nvPr>
+            <p:ph type="sldNum" sz="quarter" idx="12"/>
+          </p:nvPr>
+        </p:nvSpPr>
+        <p:spPr/>
+        <p:txBody>
+          <a:bodyPr/>
+          <a:lstStyle/>
+          <a:p>
+            <a:fld id="{47797270-BFBB-4212-9FDA-8EE01FE91F8C}" type="slidenum">
+              <a:rPr lang="pt-BR" smtClean="0"/>
+              <a:pPr/>
+              <a:t>12</a:t>
+            </a:fld>
+            <a:endParaRPr lang="pt-BR"/>
+          </a:p>
+        </p:txBody>
+      </p:sp>
+      <p:sp>
+        <p:nvSpPr>
+          <p:cNvPr id="7" name="Retângulo 6">
+            <a:extLst>
+              <a:ext uri="{FF2B5EF4-FFF2-40B4-BE49-F238E27FC236}">
+                <a16:creationId xmlns:a16="http://schemas.microsoft.com/office/drawing/2014/main" id="{C0911691-8E5D-4130-9DEF-B295AC8F85B1}"/>
               </a:ext>
             </a:extLst>
           </p:cNvPr>
@@ -4764,8 +4952,8 @@
         </p:nvSpPr>
         <p:spPr>
           <a:xfrm>
-            <a:off x="0" y="0"/>
-            <a:ext cx="12192000" cy="4646951"/>
+            <a:off x="-134911" y="0"/>
+            <a:ext cx="1758759" cy="6858000"/>
           </a:xfrm>
           <a:prstGeom prst="rect">
             <a:avLst/>
@@ -4799,53 +4987,22 @@
           </a:p>
         </p:txBody>
       </p:sp>
-      <p:sp>
-        <p:nvSpPr>
-          <p:cNvPr id="3" name="Subtítulo 2"/>
-          <p:cNvSpPr>
-            <a:spLocks noGrp="1"/>
-          </p:cNvSpPr>
-          <p:nvPr>
-            <p:ph type="subTitle" idx="1"/>
-          </p:nvPr>
-        </p:nvSpPr>
-        <p:spPr>
-          <a:xfrm>
-            <a:off x="0" y="4960137"/>
-            <a:ext cx="12192000" cy="1463040"/>
-          </a:xfrm>
-          <a:solidFill>
-            <a:schemeClr val="bg1"/>
-          </a:solidFill>
-        </p:spPr>
-        <p:txBody>
-          <a:bodyPr vert="horz" lIns="91440" tIns="45720" rIns="91440" bIns="45720" rtlCol="0" anchor="t">
-            <a:normAutofit/>
-          </a:bodyPr>
-          <a:lstStyle/>
-          <a:p>
-            <a:r>
-              <a:rPr lang="pt-BR" sz="6000" dirty="0">
-                <a:cs typeface="Calibri"/>
-              </a:rPr>
-              <a:t>Obrigado!</a:t>
-            </a:r>
-            <a:endParaRPr lang="en-US" sz="5400" dirty="0">
-              <a:cs typeface="Calibri" panose="020F0502020204030204"/>
-            </a:endParaRPr>
-          </a:p>
-        </p:txBody>
-      </p:sp>
       <p:pic>
         <p:nvPicPr>
-          <p:cNvPr id="4" name="Imagem 3"/>
+          <p:cNvPr id="4" name="Imagem 3" descr="Logotipo&#10;&#10;Descrição gerada automaticamente">
+            <a:extLst>
+              <a:ext uri="{FF2B5EF4-FFF2-40B4-BE49-F238E27FC236}">
+                <a16:creationId xmlns:a16="http://schemas.microsoft.com/office/drawing/2014/main" id="{A8415950-AE8E-45C0-A2E5-D9B394DF621D}"/>
+              </a:ext>
+            </a:extLst>
+          </p:cNvPr>
           <p:cNvPicPr>
             <a:picLocks noChangeAspect="1"/>
           </p:cNvPicPr>
           <p:nvPr/>
         </p:nvPicPr>
         <p:blipFill>
-          <a:blip r:embed="rId3" cstate="print">
+          <a:blip r:embed="rId2" cstate="print">
             <a:extLst>
               <a:ext uri="{28A0092B-C50C-407E-A947-70E740481C1C}">
                 <a14:useLocalDpi xmlns:a14="http://schemas.microsoft.com/office/drawing/2010/main" val="0"/>
@@ -4858,8 +5015,8 @@
         </p:blipFill>
         <p:spPr>
           <a:xfrm>
-            <a:off x="457200" y="415636"/>
-            <a:ext cx="3532909" cy="3522456"/>
+            <a:off x="196516" y="205083"/>
+            <a:ext cx="1106542" cy="1096089"/>
           </a:xfrm>
           <a:prstGeom prst="rect">
             <a:avLst/>
@@ -4868,100 +5025,108 @@
       </p:pic>
       <p:sp>
         <p:nvSpPr>
-          <p:cNvPr id="5" name="Título 1"/>
-          <p:cNvSpPr txBox="1">
-            <a:spLocks/>
-          </p:cNvSpPr>
-          <p:nvPr/>
-        </p:nvSpPr>
-        <p:spPr>
-          <a:xfrm>
-            <a:off x="3990109" y="415636"/>
-            <a:ext cx="7772400" cy="2386941"/>
-          </a:xfrm>
-          <a:prstGeom prst="rect">
-            <a:avLst/>
-          </a:prstGeom>
-        </p:spPr>
-        <p:txBody>
-          <a:bodyPr vert="horz" lIns="91440" tIns="45720" rIns="91440" bIns="45720" rtlCol="0" anchor="ctr">
-            <a:normAutofit/>
+          <p:cNvPr id="5" name="TextBox 4">
+            <a:extLst>
+              <a:ext uri="{FF2B5EF4-FFF2-40B4-BE49-F238E27FC236}">
+                <a16:creationId xmlns:a16="http://schemas.microsoft.com/office/drawing/2014/main" id="{751BADB0-5D73-43E9-9ABB-321766D8AE39}"/>
+              </a:ext>
+            </a:extLst>
+          </p:cNvPr>
+          <p:cNvSpPr txBox="1"/>
+          <p:nvPr/>
+        </p:nvSpPr>
+        <p:spPr>
+          <a:xfrm>
+            <a:off x="2167689" y="483268"/>
+            <a:ext cx="9310436" cy="707886"/>
+          </a:xfrm>
+          <a:prstGeom prst="rect">
+            <a:avLst/>
+          </a:prstGeom>
+          <a:noFill/>
+        </p:spPr>
+        <p:txBody>
+          <a:bodyPr rot="0" spcFirstLastPara="0" vertOverflow="overflow" horzOverflow="overflow" vert="horz" wrap="square" lIns="91440" tIns="45720" rIns="91440" bIns="45720" numCol="1" spcCol="0" rtlCol="0" fromWordArt="0" anchor="t" anchorCtr="0" forceAA="0" compatLnSpc="1">
+            <a:prstTxWarp prst="textNoShape">
+              <a:avLst/>
+            </a:prstTxWarp>
+            <a:spAutoFit/>
           </a:bodyPr>
-          <a:lstStyle>
-            <a:lvl1pPr algn="r" defTabSz="914400" rtl="0" eaLnBrk="1" latinLnBrk="0" hangingPunct="1">
-              <a:lnSpc>
-                <a:spcPct val="80000"/>
-              </a:lnSpc>
-              <a:spcBef>
-                <a:spcPct val="0"/>
-              </a:spcBef>
-              <a:buNone/>
-              <a:defRPr sz="5000" kern="1200" cap="all" spc="200" baseline="0">
-                <a:solidFill>
-                  <a:schemeClr val="tx1">
-                    <a:lumMod val="90000"/>
-                    <a:lumOff val="10000"/>
-                  </a:schemeClr>
-                </a:solidFill>
-                <a:latin typeface="+mj-lt"/>
-                <a:ea typeface="+mj-ea"/>
-                <a:cs typeface="+mj-cs"/>
-              </a:defRPr>
-            </a:lvl1pPr>
-          </a:lstStyle>
-          <a:p>
-            <a:r>
-              <a:rPr lang="en-US" dirty="0">
-                <a:solidFill>
-                  <a:schemeClr val="bg1"/>
-                </a:solidFill>
-                <a:cs typeface="Calibri Light"/>
-              </a:rPr>
-              <a:t>PGPARQ01C1-2N-P1</a:t>
-            </a:r>
-          </a:p>
-          <a:p>
-            <a:r>
-              <a:rPr lang="en-US" dirty="0">
-                <a:solidFill>
-                  <a:schemeClr val="bg1"/>
-                </a:solidFill>
-                <a:cs typeface="Calibri Light"/>
-              </a:rPr>
-              <a:t>Arquitetura </a:t>
-            </a:r>
-            <a:r>
-              <a:rPr lang="en-US" dirty="0" err="1">
-                <a:solidFill>
-                  <a:schemeClr val="bg1"/>
-                </a:solidFill>
-                <a:cs typeface="Calibri Light"/>
-              </a:rPr>
-              <a:t>Corporativa</a:t>
-            </a:r>
-            <a:endParaRPr lang="en-US" dirty="0">
-              <a:solidFill>
-                <a:schemeClr val="bg1"/>
-              </a:solidFill>
-              <a:cs typeface="Calibri Light"/>
-            </a:endParaRPr>
-          </a:p>
-          <a:p>
-            <a:endParaRPr lang="pt-BR" dirty="0">
-              <a:solidFill>
-                <a:schemeClr val="bg1"/>
-              </a:solidFill>
-              <a:cs typeface="Calibri Light"/>
-            </a:endParaRPr>
-          </a:p>
-        </p:txBody>
-      </p:sp>
-      <p:sp>
-        <p:nvSpPr>
-          <p:cNvPr id="7" name="CaixaDeTexto 6">
-            <a:extLst>
-              <a:ext uri="{FF2B5EF4-FFF2-40B4-BE49-F238E27FC236}">
-                <a16:creationId xmlns:a16="http://schemas.microsoft.com/office/drawing/2014/main" id="{276CA7EF-8884-4CFA-A74A-DA1915DCC6FD}"/>
+          <a:lstStyle/>
+          <a:p>
+            <a:r>
+              <a:rPr lang="pt-BR" sz="4000" dirty="0"/>
+              <a:t>3&gt; Arquitetura</a:t>
+            </a:r>
+          </a:p>
+        </p:txBody>
+      </p:sp>
+      <p:pic>
+        <p:nvPicPr>
+          <p:cNvPr id="6" name="Imagem 5">
+            <a:extLst>
+              <a:ext uri="{FF2B5EF4-FFF2-40B4-BE49-F238E27FC236}">
+                <a16:creationId xmlns:a16="http://schemas.microsoft.com/office/drawing/2014/main" id="{D3DB8690-6DFE-42C2-B6BD-484C276D05A9}"/>
+              </a:ext>
+            </a:extLst>
+          </p:cNvPr>
+          <p:cNvPicPr>
+            <a:picLocks noChangeAspect="1"/>
+          </p:cNvPicPr>
+          <p:nvPr/>
+        </p:nvPicPr>
+        <p:blipFill>
+          <a:blip r:embed="rId3"/>
+          <a:stretch>
+            <a:fillRect/>
+          </a:stretch>
+        </p:blipFill>
+        <p:spPr>
+          <a:xfrm>
+            <a:off x="2167688" y="1816091"/>
+            <a:ext cx="10024311" cy="1237235"/>
+          </a:xfrm>
+          <a:prstGeom prst="rect">
+            <a:avLst/>
+          </a:prstGeom>
+        </p:spPr>
+      </p:pic>
+      <p:pic>
+        <p:nvPicPr>
+          <p:cNvPr id="11" name="Imagem 10">
+            <a:extLst>
+              <a:ext uri="{FF2B5EF4-FFF2-40B4-BE49-F238E27FC236}">
+                <a16:creationId xmlns:a16="http://schemas.microsoft.com/office/drawing/2014/main" id="{98D030A1-5ACC-4DC8-AAAA-C8EE1448986A}"/>
+              </a:ext>
+            </a:extLst>
+          </p:cNvPr>
+          <p:cNvPicPr>
+            <a:picLocks noChangeAspect="1"/>
+          </p:cNvPicPr>
+          <p:nvPr/>
+        </p:nvPicPr>
+        <p:blipFill>
+          <a:blip r:embed="rId4"/>
+          <a:stretch>
+            <a:fillRect/>
+          </a:stretch>
+        </p:blipFill>
+        <p:spPr>
+          <a:xfrm>
+            <a:off x="2379406" y="4606555"/>
+            <a:ext cx="7011378" cy="1181265"/>
+          </a:xfrm>
+          <a:prstGeom prst="rect">
+            <a:avLst/>
+          </a:prstGeom>
+        </p:spPr>
+      </p:pic>
+      <p:sp>
+        <p:nvSpPr>
+          <p:cNvPr id="12" name="CaixaDeTexto 11">
+            <a:extLst>
+              <a:ext uri="{FF2B5EF4-FFF2-40B4-BE49-F238E27FC236}">
+                <a16:creationId xmlns:a16="http://schemas.microsoft.com/office/drawing/2014/main" id="{C565236C-3F5B-479C-A53D-2979DF841346}"/>
               </a:ext>
             </a:extLst>
           </p:cNvPr>
@@ -4970,8 +5135,8 @@
         </p:nvSpPr>
         <p:spPr>
           <a:xfrm>
-            <a:off x="10810660" y="4168947"/>
-            <a:ext cx="1381340" cy="369332"/>
+            <a:off x="2379406" y="3972232"/>
+            <a:ext cx="638636" cy="369332"/>
           </a:xfrm>
           <a:prstGeom prst="rect">
             <a:avLst/>
@@ -4985,20 +5150,1862 @@
           <a:lstStyle/>
           <a:p>
             <a:r>
-              <a:rPr lang="pt-BR" dirty="0">
-                <a:solidFill>
-                  <a:schemeClr val="bg1"/>
-                </a:solidFill>
-              </a:rPr>
-              <a:t>Projeto final</a:t>
-            </a:r>
-          </a:p>
-        </p:txBody>
-      </p:sp>
+              <a:rPr lang="pt-BR" dirty="0" err="1"/>
+              <a:t>ToBe</a:t>
+            </a:r>
+            <a:endParaRPr lang="pt-BR" dirty="0"/>
+          </a:p>
+        </p:txBody>
+      </p:sp>
+      <p:sp>
+        <p:nvSpPr>
+          <p:cNvPr id="13" name="CaixaDeTexto 12">
+            <a:extLst>
+              <a:ext uri="{FF2B5EF4-FFF2-40B4-BE49-F238E27FC236}">
+                <a16:creationId xmlns:a16="http://schemas.microsoft.com/office/drawing/2014/main" id="{64352539-376C-42F1-B552-CA21C58E7027}"/>
+              </a:ext>
+            </a:extLst>
+          </p:cNvPr>
+          <p:cNvSpPr txBox="1"/>
+          <p:nvPr/>
+        </p:nvSpPr>
+        <p:spPr>
+          <a:xfrm>
+            <a:off x="2369113" y="1524832"/>
+            <a:ext cx="554960" cy="369332"/>
+          </a:xfrm>
+          <a:prstGeom prst="rect">
+            <a:avLst/>
+          </a:prstGeom>
+          <a:noFill/>
+        </p:spPr>
+        <p:txBody>
+          <a:bodyPr wrap="none" rtlCol="0">
+            <a:spAutoFit/>
+          </a:bodyPr>
+          <a:lstStyle/>
+          <a:p>
+            <a:r>
+              <a:rPr lang="pt-BR" dirty="0" err="1"/>
+              <a:t>AsIs</a:t>
+            </a:r>
+            <a:endParaRPr lang="pt-BR" dirty="0"/>
+          </a:p>
+        </p:txBody>
+      </p:sp>
+      <p:pic>
+        <p:nvPicPr>
+          <p:cNvPr id="14" name="Imagem 13">
+            <a:extLst>
+              <a:ext uri="{FF2B5EF4-FFF2-40B4-BE49-F238E27FC236}">
+                <a16:creationId xmlns:a16="http://schemas.microsoft.com/office/drawing/2014/main" id="{972EE463-FEC7-449E-811C-A75695A7B10F}"/>
+              </a:ext>
+            </a:extLst>
+          </p:cNvPr>
+          <p:cNvPicPr>
+            <a:picLocks noChangeAspect="1"/>
+          </p:cNvPicPr>
+          <p:nvPr/>
+        </p:nvPicPr>
+        <p:blipFill>
+          <a:blip r:embed="rId5"/>
+          <a:stretch>
+            <a:fillRect/>
+          </a:stretch>
+        </p:blipFill>
+        <p:spPr>
+          <a:xfrm>
+            <a:off x="10536219" y="136525"/>
+            <a:ext cx="1485747" cy="1445153"/>
+          </a:xfrm>
+          <a:prstGeom prst="rect">
+            <a:avLst/>
+          </a:prstGeom>
+        </p:spPr>
+      </p:pic>
     </p:spTree>
     <p:extLst>
       <p:ext uri="{BB962C8B-B14F-4D97-AF65-F5344CB8AC3E}">
-        <p14:creationId xmlns:p14="http://schemas.microsoft.com/office/powerpoint/2010/main" val="892426542"/>
+        <p14:creationId xmlns:p14="http://schemas.microsoft.com/office/powerpoint/2010/main" val="1884035434"/>
+      </p:ext>
+    </p:extLst>
+  </p:cSld>
+  <p:clrMapOvr>
+    <a:masterClrMapping/>
+  </p:clrMapOvr>
+</p:sld>
+</file>
+
+<file path=ppt/slides/slide13.xml><?xml version="1.0" encoding="utf-8"?>
+<p:sld xmlns:a="http://schemas.openxmlformats.org/drawingml/2006/main" xmlns:r="http://schemas.openxmlformats.org/officeDocument/2006/relationships" xmlns:p="http://schemas.openxmlformats.org/presentationml/2006/main">
+  <p:cSld>
+    <p:spTree>
+      <p:nvGrpSpPr>
+        <p:cNvPr id="1" name=""/>
+        <p:cNvGrpSpPr/>
+        <p:nvPr/>
+      </p:nvGrpSpPr>
+      <p:grpSpPr>
+        <a:xfrm>
+          <a:off x="0" y="0"/>
+          <a:ext cx="0" cy="0"/>
+          <a:chOff x="0" y="0"/>
+          <a:chExt cx="0" cy="0"/>
+        </a:xfrm>
+      </p:grpSpPr>
+      <p:sp>
+        <p:nvSpPr>
+          <p:cNvPr id="2" name="Espaço Reservado para Número de Slide 1">
+            <a:extLst>
+              <a:ext uri="{FF2B5EF4-FFF2-40B4-BE49-F238E27FC236}">
+                <a16:creationId xmlns:a16="http://schemas.microsoft.com/office/drawing/2014/main" id="{00A5C847-9B16-45BB-A00A-7493094466B1}"/>
+              </a:ext>
+            </a:extLst>
+          </p:cNvPr>
+          <p:cNvSpPr>
+            <a:spLocks noGrp="1"/>
+          </p:cNvSpPr>
+          <p:nvPr>
+            <p:ph type="sldNum" sz="quarter" idx="12"/>
+          </p:nvPr>
+        </p:nvSpPr>
+        <p:spPr/>
+        <p:txBody>
+          <a:bodyPr/>
+          <a:lstStyle/>
+          <a:p>
+            <a:fld id="{47797270-BFBB-4212-9FDA-8EE01FE91F8C}" type="slidenum">
+              <a:rPr lang="pt-BR" smtClean="0"/>
+              <a:pPr/>
+              <a:t>13</a:t>
+            </a:fld>
+            <a:endParaRPr lang="pt-BR"/>
+          </a:p>
+        </p:txBody>
+      </p:sp>
+      <p:sp>
+        <p:nvSpPr>
+          <p:cNvPr id="7" name="Retângulo 6">
+            <a:extLst>
+              <a:ext uri="{FF2B5EF4-FFF2-40B4-BE49-F238E27FC236}">
+                <a16:creationId xmlns:a16="http://schemas.microsoft.com/office/drawing/2014/main" id="{C0911691-8E5D-4130-9DEF-B295AC8F85B1}"/>
+              </a:ext>
+            </a:extLst>
+          </p:cNvPr>
+          <p:cNvSpPr/>
+          <p:nvPr/>
+        </p:nvSpPr>
+        <p:spPr>
+          <a:xfrm>
+            <a:off x="-134911" y="0"/>
+            <a:ext cx="1758759" cy="6858000"/>
+          </a:xfrm>
+          <a:prstGeom prst="rect">
+            <a:avLst/>
+          </a:prstGeom>
+          <a:solidFill>
+            <a:srgbClr val="053566"/>
+          </a:solidFill>
+        </p:spPr>
+        <p:style>
+          <a:lnRef idx="2">
+            <a:schemeClr val="accent1">
+              <a:shade val="50000"/>
+            </a:schemeClr>
+          </a:lnRef>
+          <a:fillRef idx="1">
+            <a:schemeClr val="accent1"/>
+          </a:fillRef>
+          <a:effectRef idx="0">
+            <a:schemeClr val="accent1"/>
+          </a:effectRef>
+          <a:fontRef idx="minor">
+            <a:schemeClr val="lt1"/>
+          </a:fontRef>
+        </p:style>
+        <p:txBody>
+          <a:bodyPr rtlCol="0" anchor="ctr"/>
+          <a:lstStyle/>
+          <a:p>
+            <a:pPr algn="ctr"/>
+            <a:endParaRPr lang="pt-BR"/>
+          </a:p>
+        </p:txBody>
+      </p:sp>
+      <p:pic>
+        <p:nvPicPr>
+          <p:cNvPr id="4" name="Imagem 3" descr="Logotipo&#10;&#10;Descrição gerada automaticamente">
+            <a:extLst>
+              <a:ext uri="{FF2B5EF4-FFF2-40B4-BE49-F238E27FC236}">
+                <a16:creationId xmlns:a16="http://schemas.microsoft.com/office/drawing/2014/main" id="{A8415950-AE8E-45C0-A2E5-D9B394DF621D}"/>
+              </a:ext>
+            </a:extLst>
+          </p:cNvPr>
+          <p:cNvPicPr>
+            <a:picLocks noChangeAspect="1"/>
+          </p:cNvPicPr>
+          <p:nvPr/>
+        </p:nvPicPr>
+        <p:blipFill>
+          <a:blip r:embed="rId2" cstate="print">
+            <a:extLst>
+              <a:ext uri="{28A0092B-C50C-407E-A947-70E740481C1C}">
+                <a14:useLocalDpi xmlns:a14="http://schemas.microsoft.com/office/drawing/2010/main" val="0"/>
+              </a:ext>
+            </a:extLst>
+          </a:blip>
+          <a:stretch>
+            <a:fillRect/>
+          </a:stretch>
+        </p:blipFill>
+        <p:spPr>
+          <a:xfrm>
+            <a:off x="196516" y="205083"/>
+            <a:ext cx="1106542" cy="1096089"/>
+          </a:xfrm>
+          <a:prstGeom prst="rect">
+            <a:avLst/>
+          </a:prstGeom>
+        </p:spPr>
+      </p:pic>
+      <p:sp>
+        <p:nvSpPr>
+          <p:cNvPr id="5" name="TextBox 4">
+            <a:extLst>
+              <a:ext uri="{FF2B5EF4-FFF2-40B4-BE49-F238E27FC236}">
+                <a16:creationId xmlns:a16="http://schemas.microsoft.com/office/drawing/2014/main" id="{751BADB0-5D73-43E9-9ABB-321766D8AE39}"/>
+              </a:ext>
+            </a:extLst>
+          </p:cNvPr>
+          <p:cNvSpPr txBox="1"/>
+          <p:nvPr/>
+        </p:nvSpPr>
+        <p:spPr>
+          <a:xfrm>
+            <a:off x="2167689" y="483268"/>
+            <a:ext cx="9310436" cy="707886"/>
+          </a:xfrm>
+          <a:prstGeom prst="rect">
+            <a:avLst/>
+          </a:prstGeom>
+          <a:noFill/>
+        </p:spPr>
+        <p:txBody>
+          <a:bodyPr rot="0" spcFirstLastPara="0" vertOverflow="overflow" horzOverflow="overflow" vert="horz" wrap="square" lIns="91440" tIns="45720" rIns="91440" bIns="45720" numCol="1" spcCol="0" rtlCol="0" fromWordArt="0" anchor="t" anchorCtr="0" forceAA="0" compatLnSpc="1">
+            <a:prstTxWarp prst="textNoShape">
+              <a:avLst/>
+            </a:prstTxWarp>
+            <a:spAutoFit/>
+          </a:bodyPr>
+          <a:lstStyle/>
+          <a:p>
+            <a:r>
+              <a:rPr lang="pt-BR" sz="4000" dirty="0"/>
+              <a:t>3&gt; Arquitetura</a:t>
+            </a:r>
+          </a:p>
+        </p:txBody>
+      </p:sp>
+      <p:pic>
+        <p:nvPicPr>
+          <p:cNvPr id="8" name="Imagem 7">
+            <a:extLst>
+              <a:ext uri="{FF2B5EF4-FFF2-40B4-BE49-F238E27FC236}">
+                <a16:creationId xmlns:a16="http://schemas.microsoft.com/office/drawing/2014/main" id="{0D5E43A3-150F-44D3-B5EA-CEFE20B7A6FC}"/>
+              </a:ext>
+            </a:extLst>
+          </p:cNvPr>
+          <p:cNvPicPr>
+            <a:picLocks noChangeAspect="1"/>
+          </p:cNvPicPr>
+          <p:nvPr/>
+        </p:nvPicPr>
+        <p:blipFill>
+          <a:blip r:embed="rId3"/>
+          <a:stretch>
+            <a:fillRect/>
+          </a:stretch>
+        </p:blipFill>
+        <p:spPr>
+          <a:xfrm>
+            <a:off x="3581401" y="1478869"/>
+            <a:ext cx="6268325" cy="4877481"/>
+          </a:xfrm>
+          <a:prstGeom prst="rect">
+            <a:avLst/>
+          </a:prstGeom>
+        </p:spPr>
+      </p:pic>
+      <p:pic>
+        <p:nvPicPr>
+          <p:cNvPr id="10" name="Imagem 9">
+            <a:extLst>
+              <a:ext uri="{FF2B5EF4-FFF2-40B4-BE49-F238E27FC236}">
+                <a16:creationId xmlns:a16="http://schemas.microsoft.com/office/drawing/2014/main" id="{B4E63CE4-FBA8-4057-824E-B9DDAB28D1D4}"/>
+              </a:ext>
+            </a:extLst>
+          </p:cNvPr>
+          <p:cNvPicPr>
+            <a:picLocks noChangeAspect="1"/>
+          </p:cNvPicPr>
+          <p:nvPr/>
+        </p:nvPicPr>
+        <p:blipFill>
+          <a:blip r:embed="rId4"/>
+          <a:stretch>
+            <a:fillRect/>
+          </a:stretch>
+        </p:blipFill>
+        <p:spPr>
+          <a:xfrm>
+            <a:off x="10535349" y="74709"/>
+            <a:ext cx="1486617" cy="1525004"/>
+          </a:xfrm>
+          <a:prstGeom prst="rect">
+            <a:avLst/>
+          </a:prstGeom>
+        </p:spPr>
+      </p:pic>
+      <p:sp>
+        <p:nvSpPr>
+          <p:cNvPr id="12" name="CaixaDeTexto 11">
+            <a:extLst>
+              <a:ext uri="{FF2B5EF4-FFF2-40B4-BE49-F238E27FC236}">
+                <a16:creationId xmlns:a16="http://schemas.microsoft.com/office/drawing/2014/main" id="{F31B61BC-658D-4D2A-B8E9-863F32E88B6B}"/>
+              </a:ext>
+            </a:extLst>
+          </p:cNvPr>
+          <p:cNvSpPr txBox="1"/>
+          <p:nvPr/>
+        </p:nvSpPr>
+        <p:spPr>
+          <a:xfrm>
+            <a:off x="2369113" y="1524832"/>
+            <a:ext cx="554960" cy="369332"/>
+          </a:xfrm>
+          <a:prstGeom prst="rect">
+            <a:avLst/>
+          </a:prstGeom>
+          <a:noFill/>
+        </p:spPr>
+        <p:txBody>
+          <a:bodyPr wrap="none" rtlCol="0">
+            <a:spAutoFit/>
+          </a:bodyPr>
+          <a:lstStyle/>
+          <a:p>
+            <a:r>
+              <a:rPr lang="pt-BR" dirty="0" err="1"/>
+              <a:t>AsIs</a:t>
+            </a:r>
+            <a:endParaRPr lang="pt-BR" dirty="0"/>
+          </a:p>
+        </p:txBody>
+      </p:sp>
+    </p:spTree>
+    <p:extLst>
+      <p:ext uri="{BB962C8B-B14F-4D97-AF65-F5344CB8AC3E}">
+        <p14:creationId xmlns:p14="http://schemas.microsoft.com/office/powerpoint/2010/main" val="3367615041"/>
+      </p:ext>
+    </p:extLst>
+  </p:cSld>
+  <p:clrMapOvr>
+    <a:masterClrMapping/>
+  </p:clrMapOvr>
+</p:sld>
+</file>
+
+<file path=ppt/slides/slide14.xml><?xml version="1.0" encoding="utf-8"?>
+<p:sld xmlns:a="http://schemas.openxmlformats.org/drawingml/2006/main" xmlns:r="http://schemas.openxmlformats.org/officeDocument/2006/relationships" xmlns:p="http://schemas.openxmlformats.org/presentationml/2006/main">
+  <p:cSld>
+    <p:spTree>
+      <p:nvGrpSpPr>
+        <p:cNvPr id="1" name=""/>
+        <p:cNvGrpSpPr/>
+        <p:nvPr/>
+      </p:nvGrpSpPr>
+      <p:grpSpPr>
+        <a:xfrm>
+          <a:off x="0" y="0"/>
+          <a:ext cx="0" cy="0"/>
+          <a:chOff x="0" y="0"/>
+          <a:chExt cx="0" cy="0"/>
+        </a:xfrm>
+      </p:grpSpPr>
+      <p:sp>
+        <p:nvSpPr>
+          <p:cNvPr id="2" name="Espaço Reservado para Número de Slide 1">
+            <a:extLst>
+              <a:ext uri="{FF2B5EF4-FFF2-40B4-BE49-F238E27FC236}">
+                <a16:creationId xmlns:a16="http://schemas.microsoft.com/office/drawing/2014/main" id="{00A5C847-9B16-45BB-A00A-7493094466B1}"/>
+              </a:ext>
+            </a:extLst>
+          </p:cNvPr>
+          <p:cNvSpPr>
+            <a:spLocks noGrp="1"/>
+          </p:cNvSpPr>
+          <p:nvPr>
+            <p:ph type="sldNum" sz="quarter" idx="12"/>
+          </p:nvPr>
+        </p:nvSpPr>
+        <p:spPr/>
+        <p:txBody>
+          <a:bodyPr/>
+          <a:lstStyle/>
+          <a:p>
+            <a:fld id="{47797270-BFBB-4212-9FDA-8EE01FE91F8C}" type="slidenum">
+              <a:rPr lang="pt-BR" smtClean="0"/>
+              <a:pPr/>
+              <a:t>14</a:t>
+            </a:fld>
+            <a:endParaRPr lang="pt-BR"/>
+          </a:p>
+        </p:txBody>
+      </p:sp>
+      <p:sp>
+        <p:nvSpPr>
+          <p:cNvPr id="7" name="Retângulo 6">
+            <a:extLst>
+              <a:ext uri="{FF2B5EF4-FFF2-40B4-BE49-F238E27FC236}">
+                <a16:creationId xmlns:a16="http://schemas.microsoft.com/office/drawing/2014/main" id="{C0911691-8E5D-4130-9DEF-B295AC8F85B1}"/>
+              </a:ext>
+            </a:extLst>
+          </p:cNvPr>
+          <p:cNvSpPr/>
+          <p:nvPr/>
+        </p:nvSpPr>
+        <p:spPr>
+          <a:xfrm>
+            <a:off x="-134911" y="0"/>
+            <a:ext cx="1758759" cy="6858000"/>
+          </a:xfrm>
+          <a:prstGeom prst="rect">
+            <a:avLst/>
+          </a:prstGeom>
+          <a:solidFill>
+            <a:srgbClr val="053566"/>
+          </a:solidFill>
+        </p:spPr>
+        <p:style>
+          <a:lnRef idx="2">
+            <a:schemeClr val="accent1">
+              <a:shade val="50000"/>
+            </a:schemeClr>
+          </a:lnRef>
+          <a:fillRef idx="1">
+            <a:schemeClr val="accent1"/>
+          </a:fillRef>
+          <a:effectRef idx="0">
+            <a:schemeClr val="accent1"/>
+          </a:effectRef>
+          <a:fontRef idx="minor">
+            <a:schemeClr val="lt1"/>
+          </a:fontRef>
+        </p:style>
+        <p:txBody>
+          <a:bodyPr rtlCol="0" anchor="ctr"/>
+          <a:lstStyle/>
+          <a:p>
+            <a:pPr algn="ctr"/>
+            <a:endParaRPr lang="pt-BR"/>
+          </a:p>
+        </p:txBody>
+      </p:sp>
+      <p:pic>
+        <p:nvPicPr>
+          <p:cNvPr id="4" name="Imagem 3" descr="Logotipo&#10;&#10;Descrição gerada automaticamente">
+            <a:extLst>
+              <a:ext uri="{FF2B5EF4-FFF2-40B4-BE49-F238E27FC236}">
+                <a16:creationId xmlns:a16="http://schemas.microsoft.com/office/drawing/2014/main" id="{A8415950-AE8E-45C0-A2E5-D9B394DF621D}"/>
+              </a:ext>
+            </a:extLst>
+          </p:cNvPr>
+          <p:cNvPicPr>
+            <a:picLocks noChangeAspect="1"/>
+          </p:cNvPicPr>
+          <p:nvPr/>
+        </p:nvPicPr>
+        <p:blipFill>
+          <a:blip r:embed="rId2" cstate="print">
+            <a:extLst>
+              <a:ext uri="{28A0092B-C50C-407E-A947-70E740481C1C}">
+                <a14:useLocalDpi xmlns:a14="http://schemas.microsoft.com/office/drawing/2010/main" val="0"/>
+              </a:ext>
+            </a:extLst>
+          </a:blip>
+          <a:stretch>
+            <a:fillRect/>
+          </a:stretch>
+        </p:blipFill>
+        <p:spPr>
+          <a:xfrm>
+            <a:off x="196516" y="205083"/>
+            <a:ext cx="1106542" cy="1096089"/>
+          </a:xfrm>
+          <a:prstGeom prst="rect">
+            <a:avLst/>
+          </a:prstGeom>
+        </p:spPr>
+      </p:pic>
+      <p:sp>
+        <p:nvSpPr>
+          <p:cNvPr id="5" name="TextBox 4">
+            <a:extLst>
+              <a:ext uri="{FF2B5EF4-FFF2-40B4-BE49-F238E27FC236}">
+                <a16:creationId xmlns:a16="http://schemas.microsoft.com/office/drawing/2014/main" id="{751BADB0-5D73-43E9-9ABB-321766D8AE39}"/>
+              </a:ext>
+            </a:extLst>
+          </p:cNvPr>
+          <p:cNvSpPr txBox="1"/>
+          <p:nvPr/>
+        </p:nvSpPr>
+        <p:spPr>
+          <a:xfrm>
+            <a:off x="2167689" y="483268"/>
+            <a:ext cx="9310436" cy="707886"/>
+          </a:xfrm>
+          <a:prstGeom prst="rect">
+            <a:avLst/>
+          </a:prstGeom>
+          <a:noFill/>
+        </p:spPr>
+        <p:txBody>
+          <a:bodyPr rot="0" spcFirstLastPara="0" vertOverflow="overflow" horzOverflow="overflow" vert="horz" wrap="square" lIns="91440" tIns="45720" rIns="91440" bIns="45720" numCol="1" spcCol="0" rtlCol="0" fromWordArt="0" anchor="t" anchorCtr="0" forceAA="0" compatLnSpc="1">
+            <a:prstTxWarp prst="textNoShape">
+              <a:avLst/>
+            </a:prstTxWarp>
+            <a:spAutoFit/>
+          </a:bodyPr>
+          <a:lstStyle/>
+          <a:p>
+            <a:r>
+              <a:rPr lang="pt-BR" sz="4000" dirty="0"/>
+              <a:t>4&gt; Arquitetura</a:t>
+            </a:r>
+          </a:p>
+        </p:txBody>
+      </p:sp>
+      <p:pic>
+        <p:nvPicPr>
+          <p:cNvPr id="6" name="Imagem 5">
+            <a:extLst>
+              <a:ext uri="{FF2B5EF4-FFF2-40B4-BE49-F238E27FC236}">
+                <a16:creationId xmlns:a16="http://schemas.microsoft.com/office/drawing/2014/main" id="{0EC7DD54-9F75-4756-8B0B-3FEA72627F5A}"/>
+              </a:ext>
+            </a:extLst>
+          </p:cNvPr>
+          <p:cNvPicPr>
+            <a:picLocks noChangeAspect="1"/>
+          </p:cNvPicPr>
+          <p:nvPr/>
+        </p:nvPicPr>
+        <p:blipFill>
+          <a:blip r:embed="rId3"/>
+          <a:stretch>
+            <a:fillRect/>
+          </a:stretch>
+        </p:blipFill>
+        <p:spPr>
+          <a:xfrm>
+            <a:off x="4479576" y="1191154"/>
+            <a:ext cx="4406583" cy="5543017"/>
+          </a:xfrm>
+          <a:prstGeom prst="rect">
+            <a:avLst/>
+          </a:prstGeom>
+        </p:spPr>
+      </p:pic>
+      <p:pic>
+        <p:nvPicPr>
+          <p:cNvPr id="9" name="Imagem 8">
+            <a:extLst>
+              <a:ext uri="{FF2B5EF4-FFF2-40B4-BE49-F238E27FC236}">
+                <a16:creationId xmlns:a16="http://schemas.microsoft.com/office/drawing/2014/main" id="{B94FFF73-25E9-47E0-9402-AD94ED54F8EB}"/>
+              </a:ext>
+            </a:extLst>
+          </p:cNvPr>
+          <p:cNvPicPr>
+            <a:picLocks noChangeAspect="1"/>
+          </p:cNvPicPr>
+          <p:nvPr/>
+        </p:nvPicPr>
+        <p:blipFill>
+          <a:blip r:embed="rId4"/>
+          <a:stretch>
+            <a:fillRect/>
+          </a:stretch>
+        </p:blipFill>
+        <p:spPr>
+          <a:xfrm>
+            <a:off x="10535349" y="74709"/>
+            <a:ext cx="1486617" cy="1525004"/>
+          </a:xfrm>
+          <a:prstGeom prst="rect">
+            <a:avLst/>
+          </a:prstGeom>
+        </p:spPr>
+      </p:pic>
+      <p:sp>
+        <p:nvSpPr>
+          <p:cNvPr id="10" name="CaixaDeTexto 9">
+            <a:extLst>
+              <a:ext uri="{FF2B5EF4-FFF2-40B4-BE49-F238E27FC236}">
+                <a16:creationId xmlns:a16="http://schemas.microsoft.com/office/drawing/2014/main" id="{1A62A3F6-CDB1-4173-B7F1-E4E732EE63F6}"/>
+              </a:ext>
+            </a:extLst>
+          </p:cNvPr>
+          <p:cNvSpPr txBox="1"/>
+          <p:nvPr/>
+        </p:nvSpPr>
+        <p:spPr>
+          <a:xfrm>
+            <a:off x="2365679" y="1828800"/>
+            <a:ext cx="638636" cy="369332"/>
+          </a:xfrm>
+          <a:prstGeom prst="rect">
+            <a:avLst/>
+          </a:prstGeom>
+          <a:noFill/>
+        </p:spPr>
+        <p:txBody>
+          <a:bodyPr wrap="none" rtlCol="0">
+            <a:spAutoFit/>
+          </a:bodyPr>
+          <a:lstStyle/>
+          <a:p>
+            <a:r>
+              <a:rPr lang="pt-BR" dirty="0" err="1"/>
+              <a:t>ToBe</a:t>
+            </a:r>
+            <a:endParaRPr lang="pt-BR" dirty="0"/>
+          </a:p>
+        </p:txBody>
+      </p:sp>
+    </p:spTree>
+    <p:extLst>
+      <p:ext uri="{BB962C8B-B14F-4D97-AF65-F5344CB8AC3E}">
+        <p14:creationId xmlns:p14="http://schemas.microsoft.com/office/powerpoint/2010/main" val="1921421218"/>
+      </p:ext>
+    </p:extLst>
+  </p:cSld>
+  <p:clrMapOvr>
+    <a:masterClrMapping/>
+  </p:clrMapOvr>
+</p:sld>
+</file>
+
+<file path=ppt/slides/slide15.xml><?xml version="1.0" encoding="utf-8"?>
+<p:sld xmlns:a="http://schemas.openxmlformats.org/drawingml/2006/main" xmlns:r="http://schemas.openxmlformats.org/officeDocument/2006/relationships" xmlns:p="http://schemas.openxmlformats.org/presentationml/2006/main">
+  <p:cSld>
+    <p:spTree>
+      <p:nvGrpSpPr>
+        <p:cNvPr id="1" name=""/>
+        <p:cNvGrpSpPr/>
+        <p:nvPr/>
+      </p:nvGrpSpPr>
+      <p:grpSpPr>
+        <a:xfrm>
+          <a:off x="0" y="0"/>
+          <a:ext cx="0" cy="0"/>
+          <a:chOff x="0" y="0"/>
+          <a:chExt cx="0" cy="0"/>
+        </a:xfrm>
+      </p:grpSpPr>
+      <p:sp>
+        <p:nvSpPr>
+          <p:cNvPr id="2" name="Espaço Reservado para Número de Slide 1">
+            <a:extLst>
+              <a:ext uri="{FF2B5EF4-FFF2-40B4-BE49-F238E27FC236}">
+                <a16:creationId xmlns:a16="http://schemas.microsoft.com/office/drawing/2014/main" id="{00A5C847-9B16-45BB-A00A-7493094466B1}"/>
+              </a:ext>
+            </a:extLst>
+          </p:cNvPr>
+          <p:cNvSpPr>
+            <a:spLocks noGrp="1"/>
+          </p:cNvSpPr>
+          <p:nvPr>
+            <p:ph type="sldNum" sz="quarter" idx="12"/>
+          </p:nvPr>
+        </p:nvSpPr>
+        <p:spPr/>
+        <p:txBody>
+          <a:bodyPr/>
+          <a:lstStyle/>
+          <a:p>
+            <a:fld id="{47797270-BFBB-4212-9FDA-8EE01FE91F8C}" type="slidenum">
+              <a:rPr lang="pt-BR" smtClean="0"/>
+              <a:pPr/>
+              <a:t>15</a:t>
+            </a:fld>
+            <a:endParaRPr lang="pt-BR"/>
+          </a:p>
+        </p:txBody>
+      </p:sp>
+      <p:sp>
+        <p:nvSpPr>
+          <p:cNvPr id="7" name="Retângulo 6">
+            <a:extLst>
+              <a:ext uri="{FF2B5EF4-FFF2-40B4-BE49-F238E27FC236}">
+                <a16:creationId xmlns:a16="http://schemas.microsoft.com/office/drawing/2014/main" id="{C0911691-8E5D-4130-9DEF-B295AC8F85B1}"/>
+              </a:ext>
+            </a:extLst>
+          </p:cNvPr>
+          <p:cNvSpPr/>
+          <p:nvPr/>
+        </p:nvSpPr>
+        <p:spPr>
+          <a:xfrm>
+            <a:off x="-134911" y="0"/>
+            <a:ext cx="1758759" cy="6858000"/>
+          </a:xfrm>
+          <a:prstGeom prst="rect">
+            <a:avLst/>
+          </a:prstGeom>
+          <a:solidFill>
+            <a:srgbClr val="053566"/>
+          </a:solidFill>
+        </p:spPr>
+        <p:style>
+          <a:lnRef idx="2">
+            <a:schemeClr val="accent1">
+              <a:shade val="50000"/>
+            </a:schemeClr>
+          </a:lnRef>
+          <a:fillRef idx="1">
+            <a:schemeClr val="accent1"/>
+          </a:fillRef>
+          <a:effectRef idx="0">
+            <a:schemeClr val="accent1"/>
+          </a:effectRef>
+          <a:fontRef idx="minor">
+            <a:schemeClr val="lt1"/>
+          </a:fontRef>
+        </p:style>
+        <p:txBody>
+          <a:bodyPr rtlCol="0" anchor="ctr"/>
+          <a:lstStyle/>
+          <a:p>
+            <a:pPr algn="ctr"/>
+            <a:endParaRPr lang="pt-BR"/>
+          </a:p>
+        </p:txBody>
+      </p:sp>
+      <p:pic>
+        <p:nvPicPr>
+          <p:cNvPr id="4" name="Imagem 3" descr="Logotipo&#10;&#10;Descrição gerada automaticamente">
+            <a:extLst>
+              <a:ext uri="{FF2B5EF4-FFF2-40B4-BE49-F238E27FC236}">
+                <a16:creationId xmlns:a16="http://schemas.microsoft.com/office/drawing/2014/main" id="{A8415950-AE8E-45C0-A2E5-D9B394DF621D}"/>
+              </a:ext>
+            </a:extLst>
+          </p:cNvPr>
+          <p:cNvPicPr>
+            <a:picLocks noChangeAspect="1"/>
+          </p:cNvPicPr>
+          <p:nvPr/>
+        </p:nvPicPr>
+        <p:blipFill>
+          <a:blip r:embed="rId2" cstate="print">
+            <a:extLst>
+              <a:ext uri="{28A0092B-C50C-407E-A947-70E740481C1C}">
+                <a14:useLocalDpi xmlns:a14="http://schemas.microsoft.com/office/drawing/2010/main" val="0"/>
+              </a:ext>
+            </a:extLst>
+          </a:blip>
+          <a:stretch>
+            <a:fillRect/>
+          </a:stretch>
+        </p:blipFill>
+        <p:spPr>
+          <a:xfrm>
+            <a:off x="196516" y="205083"/>
+            <a:ext cx="1106542" cy="1096089"/>
+          </a:xfrm>
+          <a:prstGeom prst="rect">
+            <a:avLst/>
+          </a:prstGeom>
+        </p:spPr>
+      </p:pic>
+      <p:sp>
+        <p:nvSpPr>
+          <p:cNvPr id="5" name="TextBox 4">
+            <a:extLst>
+              <a:ext uri="{FF2B5EF4-FFF2-40B4-BE49-F238E27FC236}">
+                <a16:creationId xmlns:a16="http://schemas.microsoft.com/office/drawing/2014/main" id="{751BADB0-5D73-43E9-9ABB-321766D8AE39}"/>
+              </a:ext>
+            </a:extLst>
+          </p:cNvPr>
+          <p:cNvSpPr txBox="1"/>
+          <p:nvPr/>
+        </p:nvSpPr>
+        <p:spPr>
+          <a:xfrm>
+            <a:off x="2167689" y="483268"/>
+            <a:ext cx="9310436" cy="707886"/>
+          </a:xfrm>
+          <a:prstGeom prst="rect">
+            <a:avLst/>
+          </a:prstGeom>
+          <a:noFill/>
+        </p:spPr>
+        <p:txBody>
+          <a:bodyPr rot="0" spcFirstLastPara="0" vertOverflow="overflow" horzOverflow="overflow" vert="horz" wrap="square" lIns="91440" tIns="45720" rIns="91440" bIns="45720" numCol="1" spcCol="0" rtlCol="0" fromWordArt="0" anchor="t" anchorCtr="0" forceAA="0" compatLnSpc="1">
+            <a:prstTxWarp prst="textNoShape">
+              <a:avLst/>
+            </a:prstTxWarp>
+            <a:spAutoFit/>
+          </a:bodyPr>
+          <a:lstStyle/>
+          <a:p>
+            <a:r>
+              <a:rPr lang="pt-BR" sz="4000" dirty="0"/>
+              <a:t>3&gt; Arquitetura</a:t>
+            </a:r>
+          </a:p>
+        </p:txBody>
+      </p:sp>
+      <p:pic>
+        <p:nvPicPr>
+          <p:cNvPr id="8" name="Imagem 7">
+            <a:extLst>
+              <a:ext uri="{FF2B5EF4-FFF2-40B4-BE49-F238E27FC236}">
+                <a16:creationId xmlns:a16="http://schemas.microsoft.com/office/drawing/2014/main" id="{CD287CCB-9F01-4487-A544-FF60584A7E4F}"/>
+              </a:ext>
+            </a:extLst>
+          </p:cNvPr>
+          <p:cNvPicPr>
+            <a:picLocks noChangeAspect="1"/>
+          </p:cNvPicPr>
+          <p:nvPr/>
+        </p:nvPicPr>
+        <p:blipFill>
+          <a:blip r:embed="rId3"/>
+          <a:stretch>
+            <a:fillRect/>
+          </a:stretch>
+        </p:blipFill>
+        <p:spPr>
+          <a:xfrm>
+            <a:off x="3408738" y="1085044"/>
+            <a:ext cx="7078063" cy="5772956"/>
+          </a:xfrm>
+          <a:prstGeom prst="rect">
+            <a:avLst/>
+          </a:prstGeom>
+        </p:spPr>
+      </p:pic>
+      <p:pic>
+        <p:nvPicPr>
+          <p:cNvPr id="9" name="Imagem 8">
+            <a:extLst>
+              <a:ext uri="{FF2B5EF4-FFF2-40B4-BE49-F238E27FC236}">
+                <a16:creationId xmlns:a16="http://schemas.microsoft.com/office/drawing/2014/main" id="{9705F002-6F26-4760-881A-22E2D1D41344}"/>
+              </a:ext>
+            </a:extLst>
+          </p:cNvPr>
+          <p:cNvPicPr>
+            <a:picLocks noChangeAspect="1"/>
+          </p:cNvPicPr>
+          <p:nvPr/>
+        </p:nvPicPr>
+        <p:blipFill>
+          <a:blip r:embed="rId4"/>
+          <a:stretch>
+            <a:fillRect/>
+          </a:stretch>
+        </p:blipFill>
+        <p:spPr>
+          <a:xfrm>
+            <a:off x="10535349" y="74709"/>
+            <a:ext cx="1486617" cy="1525004"/>
+          </a:xfrm>
+          <a:prstGeom prst="rect">
+            <a:avLst/>
+          </a:prstGeom>
+        </p:spPr>
+      </p:pic>
+    </p:spTree>
+    <p:extLst>
+      <p:ext uri="{BB962C8B-B14F-4D97-AF65-F5344CB8AC3E}">
+        <p14:creationId xmlns:p14="http://schemas.microsoft.com/office/powerpoint/2010/main" val="1033005080"/>
+      </p:ext>
+    </p:extLst>
+  </p:cSld>
+  <p:clrMapOvr>
+    <a:masterClrMapping/>
+  </p:clrMapOvr>
+</p:sld>
+</file>
+
+<file path=ppt/slides/slide16.xml><?xml version="1.0" encoding="utf-8"?>
+<p:sld xmlns:a="http://schemas.openxmlformats.org/drawingml/2006/main" xmlns:r="http://schemas.openxmlformats.org/officeDocument/2006/relationships" xmlns:p="http://schemas.openxmlformats.org/presentationml/2006/main">
+  <p:cSld>
+    <p:spTree>
+      <p:nvGrpSpPr>
+        <p:cNvPr id="1" name=""/>
+        <p:cNvGrpSpPr/>
+        <p:nvPr/>
+      </p:nvGrpSpPr>
+      <p:grpSpPr>
+        <a:xfrm>
+          <a:off x="0" y="0"/>
+          <a:ext cx="0" cy="0"/>
+          <a:chOff x="0" y="0"/>
+          <a:chExt cx="0" cy="0"/>
+        </a:xfrm>
+      </p:grpSpPr>
+      <p:sp>
+        <p:nvSpPr>
+          <p:cNvPr id="2" name="Espaço Reservado para Número de Slide 1">
+            <a:extLst>
+              <a:ext uri="{FF2B5EF4-FFF2-40B4-BE49-F238E27FC236}">
+                <a16:creationId xmlns:a16="http://schemas.microsoft.com/office/drawing/2014/main" id="{00A5C847-9B16-45BB-A00A-7493094466B1}"/>
+              </a:ext>
+            </a:extLst>
+          </p:cNvPr>
+          <p:cNvSpPr>
+            <a:spLocks noGrp="1"/>
+          </p:cNvSpPr>
+          <p:nvPr>
+            <p:ph type="sldNum" sz="quarter" idx="12"/>
+          </p:nvPr>
+        </p:nvSpPr>
+        <p:spPr/>
+        <p:txBody>
+          <a:bodyPr/>
+          <a:lstStyle/>
+          <a:p>
+            <a:fld id="{47797270-BFBB-4212-9FDA-8EE01FE91F8C}" type="slidenum">
+              <a:rPr lang="pt-BR" smtClean="0"/>
+              <a:pPr/>
+              <a:t>16</a:t>
+            </a:fld>
+            <a:endParaRPr lang="pt-BR"/>
+          </a:p>
+        </p:txBody>
+      </p:sp>
+      <p:sp>
+        <p:nvSpPr>
+          <p:cNvPr id="7" name="Retângulo 6">
+            <a:extLst>
+              <a:ext uri="{FF2B5EF4-FFF2-40B4-BE49-F238E27FC236}">
+                <a16:creationId xmlns:a16="http://schemas.microsoft.com/office/drawing/2014/main" id="{C0911691-8E5D-4130-9DEF-B295AC8F85B1}"/>
+              </a:ext>
+            </a:extLst>
+          </p:cNvPr>
+          <p:cNvSpPr/>
+          <p:nvPr/>
+        </p:nvSpPr>
+        <p:spPr>
+          <a:xfrm>
+            <a:off x="-134911" y="0"/>
+            <a:ext cx="1758759" cy="6858000"/>
+          </a:xfrm>
+          <a:prstGeom prst="rect">
+            <a:avLst/>
+          </a:prstGeom>
+          <a:solidFill>
+            <a:srgbClr val="053566"/>
+          </a:solidFill>
+        </p:spPr>
+        <p:style>
+          <a:lnRef idx="2">
+            <a:schemeClr val="accent1">
+              <a:shade val="50000"/>
+            </a:schemeClr>
+          </a:lnRef>
+          <a:fillRef idx="1">
+            <a:schemeClr val="accent1"/>
+          </a:fillRef>
+          <a:effectRef idx="0">
+            <a:schemeClr val="accent1"/>
+          </a:effectRef>
+          <a:fontRef idx="minor">
+            <a:schemeClr val="lt1"/>
+          </a:fontRef>
+        </p:style>
+        <p:txBody>
+          <a:bodyPr rtlCol="0" anchor="ctr"/>
+          <a:lstStyle/>
+          <a:p>
+            <a:pPr algn="ctr"/>
+            <a:endParaRPr lang="pt-BR"/>
+          </a:p>
+        </p:txBody>
+      </p:sp>
+      <p:pic>
+        <p:nvPicPr>
+          <p:cNvPr id="4" name="Imagem 3" descr="Logotipo&#10;&#10;Descrição gerada automaticamente">
+            <a:extLst>
+              <a:ext uri="{FF2B5EF4-FFF2-40B4-BE49-F238E27FC236}">
+                <a16:creationId xmlns:a16="http://schemas.microsoft.com/office/drawing/2014/main" id="{A8415950-AE8E-45C0-A2E5-D9B394DF621D}"/>
+              </a:ext>
+            </a:extLst>
+          </p:cNvPr>
+          <p:cNvPicPr>
+            <a:picLocks noChangeAspect="1"/>
+          </p:cNvPicPr>
+          <p:nvPr/>
+        </p:nvPicPr>
+        <p:blipFill>
+          <a:blip r:embed="rId2" cstate="print">
+            <a:extLst>
+              <a:ext uri="{28A0092B-C50C-407E-A947-70E740481C1C}">
+                <a14:useLocalDpi xmlns:a14="http://schemas.microsoft.com/office/drawing/2010/main" val="0"/>
+              </a:ext>
+            </a:extLst>
+          </a:blip>
+          <a:stretch>
+            <a:fillRect/>
+          </a:stretch>
+        </p:blipFill>
+        <p:spPr>
+          <a:xfrm>
+            <a:off x="196516" y="205083"/>
+            <a:ext cx="1106542" cy="1096089"/>
+          </a:xfrm>
+          <a:prstGeom prst="rect">
+            <a:avLst/>
+          </a:prstGeom>
+        </p:spPr>
+      </p:pic>
+      <p:sp>
+        <p:nvSpPr>
+          <p:cNvPr id="5" name="TextBox 4">
+            <a:extLst>
+              <a:ext uri="{FF2B5EF4-FFF2-40B4-BE49-F238E27FC236}">
+                <a16:creationId xmlns:a16="http://schemas.microsoft.com/office/drawing/2014/main" id="{751BADB0-5D73-43E9-9ABB-321766D8AE39}"/>
+              </a:ext>
+            </a:extLst>
+          </p:cNvPr>
+          <p:cNvSpPr txBox="1"/>
+          <p:nvPr/>
+        </p:nvSpPr>
+        <p:spPr>
+          <a:xfrm>
+            <a:off x="2167689" y="483268"/>
+            <a:ext cx="9310436" cy="707886"/>
+          </a:xfrm>
+          <a:prstGeom prst="rect">
+            <a:avLst/>
+          </a:prstGeom>
+          <a:noFill/>
+        </p:spPr>
+        <p:txBody>
+          <a:bodyPr rot="0" spcFirstLastPara="0" vertOverflow="overflow" horzOverflow="overflow" vert="horz" wrap="square" lIns="91440" tIns="45720" rIns="91440" bIns="45720" numCol="1" spcCol="0" rtlCol="0" fromWordArt="0" anchor="t" anchorCtr="0" forceAA="0" compatLnSpc="1">
+            <a:prstTxWarp prst="textNoShape">
+              <a:avLst/>
+            </a:prstTxWarp>
+            <a:spAutoFit/>
+          </a:bodyPr>
+          <a:lstStyle/>
+          <a:p>
+            <a:r>
+              <a:rPr lang="pt-BR" sz="4000" dirty="0"/>
+              <a:t>3&gt; Arquitetura</a:t>
+            </a:r>
+          </a:p>
+        </p:txBody>
+      </p:sp>
+      <p:pic>
+        <p:nvPicPr>
+          <p:cNvPr id="6" name="Imagem 5">
+            <a:extLst>
+              <a:ext uri="{FF2B5EF4-FFF2-40B4-BE49-F238E27FC236}">
+                <a16:creationId xmlns:a16="http://schemas.microsoft.com/office/drawing/2014/main" id="{5ED52AC8-E5D9-42E5-BBDA-354D9E01727C}"/>
+              </a:ext>
+            </a:extLst>
+          </p:cNvPr>
+          <p:cNvPicPr>
+            <a:picLocks noChangeAspect="1"/>
+          </p:cNvPicPr>
+          <p:nvPr/>
+        </p:nvPicPr>
+        <p:blipFill>
+          <a:blip r:embed="rId3"/>
+          <a:stretch>
+            <a:fillRect/>
+          </a:stretch>
+        </p:blipFill>
+        <p:spPr>
+          <a:xfrm>
+            <a:off x="4640599" y="1947656"/>
+            <a:ext cx="3286584" cy="2962688"/>
+          </a:xfrm>
+          <a:prstGeom prst="rect">
+            <a:avLst/>
+          </a:prstGeom>
+        </p:spPr>
+      </p:pic>
+      <p:pic>
+        <p:nvPicPr>
+          <p:cNvPr id="11" name="Imagem 10">
+            <a:extLst>
+              <a:ext uri="{FF2B5EF4-FFF2-40B4-BE49-F238E27FC236}">
+                <a16:creationId xmlns:a16="http://schemas.microsoft.com/office/drawing/2014/main" id="{383929DE-02D2-4B69-B1D2-2285E64C9495}"/>
+              </a:ext>
+            </a:extLst>
+          </p:cNvPr>
+          <p:cNvPicPr>
+            <a:picLocks noChangeAspect="1"/>
+          </p:cNvPicPr>
+          <p:nvPr/>
+        </p:nvPicPr>
+        <p:blipFill>
+          <a:blip r:embed="rId4"/>
+          <a:stretch>
+            <a:fillRect/>
+          </a:stretch>
+        </p:blipFill>
+        <p:spPr>
+          <a:xfrm>
+            <a:off x="10343534" y="126656"/>
+            <a:ext cx="1651949" cy="1629972"/>
+          </a:xfrm>
+          <a:prstGeom prst="rect">
+            <a:avLst/>
+          </a:prstGeom>
+        </p:spPr>
+      </p:pic>
+    </p:spTree>
+    <p:extLst>
+      <p:ext uri="{BB962C8B-B14F-4D97-AF65-F5344CB8AC3E}">
+        <p14:creationId xmlns:p14="http://schemas.microsoft.com/office/powerpoint/2010/main" val="540292300"/>
+      </p:ext>
+    </p:extLst>
+  </p:cSld>
+  <p:clrMapOvr>
+    <a:masterClrMapping/>
+  </p:clrMapOvr>
+</p:sld>
+</file>
+
+<file path=ppt/slides/slide17.xml><?xml version="1.0" encoding="utf-8"?>
+<p:sld xmlns:a="http://schemas.openxmlformats.org/drawingml/2006/main" xmlns:r="http://schemas.openxmlformats.org/officeDocument/2006/relationships" xmlns:p="http://schemas.openxmlformats.org/presentationml/2006/main">
+  <p:cSld>
+    <p:spTree>
+      <p:nvGrpSpPr>
+        <p:cNvPr id="1" name=""/>
+        <p:cNvGrpSpPr/>
+        <p:nvPr/>
+      </p:nvGrpSpPr>
+      <p:grpSpPr>
+        <a:xfrm>
+          <a:off x="0" y="0"/>
+          <a:ext cx="0" cy="0"/>
+          <a:chOff x="0" y="0"/>
+          <a:chExt cx="0" cy="0"/>
+        </a:xfrm>
+      </p:grpSpPr>
+      <p:sp>
+        <p:nvSpPr>
+          <p:cNvPr id="2" name="Espaço Reservado para Número de Slide 1">
+            <a:extLst>
+              <a:ext uri="{FF2B5EF4-FFF2-40B4-BE49-F238E27FC236}">
+                <a16:creationId xmlns:a16="http://schemas.microsoft.com/office/drawing/2014/main" id="{00A5C847-9B16-45BB-A00A-7493094466B1}"/>
+              </a:ext>
+            </a:extLst>
+          </p:cNvPr>
+          <p:cNvSpPr>
+            <a:spLocks noGrp="1"/>
+          </p:cNvSpPr>
+          <p:nvPr>
+            <p:ph type="sldNum" sz="quarter" idx="12"/>
+          </p:nvPr>
+        </p:nvSpPr>
+        <p:spPr/>
+        <p:txBody>
+          <a:bodyPr/>
+          <a:lstStyle/>
+          <a:p>
+            <a:fld id="{47797270-BFBB-4212-9FDA-8EE01FE91F8C}" type="slidenum">
+              <a:rPr lang="pt-BR" smtClean="0"/>
+              <a:pPr/>
+              <a:t>17</a:t>
+            </a:fld>
+            <a:endParaRPr lang="pt-BR"/>
+          </a:p>
+        </p:txBody>
+      </p:sp>
+      <p:sp>
+        <p:nvSpPr>
+          <p:cNvPr id="7" name="Retângulo 6">
+            <a:extLst>
+              <a:ext uri="{FF2B5EF4-FFF2-40B4-BE49-F238E27FC236}">
+                <a16:creationId xmlns:a16="http://schemas.microsoft.com/office/drawing/2014/main" id="{C0911691-8E5D-4130-9DEF-B295AC8F85B1}"/>
+              </a:ext>
+            </a:extLst>
+          </p:cNvPr>
+          <p:cNvSpPr/>
+          <p:nvPr/>
+        </p:nvSpPr>
+        <p:spPr>
+          <a:xfrm>
+            <a:off x="-134911" y="0"/>
+            <a:ext cx="1758759" cy="6858000"/>
+          </a:xfrm>
+          <a:prstGeom prst="rect">
+            <a:avLst/>
+          </a:prstGeom>
+          <a:solidFill>
+            <a:srgbClr val="053566"/>
+          </a:solidFill>
+        </p:spPr>
+        <p:style>
+          <a:lnRef idx="2">
+            <a:schemeClr val="accent1">
+              <a:shade val="50000"/>
+            </a:schemeClr>
+          </a:lnRef>
+          <a:fillRef idx="1">
+            <a:schemeClr val="accent1"/>
+          </a:fillRef>
+          <a:effectRef idx="0">
+            <a:schemeClr val="accent1"/>
+          </a:effectRef>
+          <a:fontRef idx="minor">
+            <a:schemeClr val="lt1"/>
+          </a:fontRef>
+        </p:style>
+        <p:txBody>
+          <a:bodyPr rtlCol="0" anchor="ctr"/>
+          <a:lstStyle/>
+          <a:p>
+            <a:pPr algn="ctr"/>
+            <a:endParaRPr lang="pt-BR"/>
+          </a:p>
+        </p:txBody>
+      </p:sp>
+      <p:pic>
+        <p:nvPicPr>
+          <p:cNvPr id="4" name="Imagem 3" descr="Logotipo&#10;&#10;Descrição gerada automaticamente">
+            <a:extLst>
+              <a:ext uri="{FF2B5EF4-FFF2-40B4-BE49-F238E27FC236}">
+                <a16:creationId xmlns:a16="http://schemas.microsoft.com/office/drawing/2014/main" id="{A8415950-AE8E-45C0-A2E5-D9B394DF621D}"/>
+              </a:ext>
+            </a:extLst>
+          </p:cNvPr>
+          <p:cNvPicPr>
+            <a:picLocks noChangeAspect="1"/>
+          </p:cNvPicPr>
+          <p:nvPr/>
+        </p:nvPicPr>
+        <p:blipFill>
+          <a:blip r:embed="rId2" cstate="print">
+            <a:extLst>
+              <a:ext uri="{28A0092B-C50C-407E-A947-70E740481C1C}">
+                <a14:useLocalDpi xmlns:a14="http://schemas.microsoft.com/office/drawing/2010/main" val="0"/>
+              </a:ext>
+            </a:extLst>
+          </a:blip>
+          <a:stretch>
+            <a:fillRect/>
+          </a:stretch>
+        </p:blipFill>
+        <p:spPr>
+          <a:xfrm>
+            <a:off x="196516" y="205083"/>
+            <a:ext cx="1106542" cy="1096089"/>
+          </a:xfrm>
+          <a:prstGeom prst="rect">
+            <a:avLst/>
+          </a:prstGeom>
+        </p:spPr>
+      </p:pic>
+      <p:sp>
+        <p:nvSpPr>
+          <p:cNvPr id="5" name="TextBox 4">
+            <a:extLst>
+              <a:ext uri="{FF2B5EF4-FFF2-40B4-BE49-F238E27FC236}">
+                <a16:creationId xmlns:a16="http://schemas.microsoft.com/office/drawing/2014/main" id="{751BADB0-5D73-43E9-9ABB-321766D8AE39}"/>
+              </a:ext>
+            </a:extLst>
+          </p:cNvPr>
+          <p:cNvSpPr txBox="1"/>
+          <p:nvPr/>
+        </p:nvSpPr>
+        <p:spPr>
+          <a:xfrm>
+            <a:off x="2167689" y="483268"/>
+            <a:ext cx="9310436" cy="707886"/>
+          </a:xfrm>
+          <a:prstGeom prst="rect">
+            <a:avLst/>
+          </a:prstGeom>
+          <a:noFill/>
+        </p:spPr>
+        <p:txBody>
+          <a:bodyPr rot="0" spcFirstLastPara="0" vertOverflow="overflow" horzOverflow="overflow" vert="horz" wrap="square" lIns="91440" tIns="45720" rIns="91440" bIns="45720" numCol="1" spcCol="0" rtlCol="0" fromWordArt="0" anchor="t" anchorCtr="0" forceAA="0" compatLnSpc="1">
+            <a:prstTxWarp prst="textNoShape">
+              <a:avLst/>
+            </a:prstTxWarp>
+            <a:spAutoFit/>
+          </a:bodyPr>
+          <a:lstStyle/>
+          <a:p>
+            <a:r>
+              <a:rPr lang="pt-BR" sz="4000" dirty="0"/>
+              <a:t>3&gt; Arquitetura</a:t>
+            </a:r>
+          </a:p>
+        </p:txBody>
+      </p:sp>
+      <p:pic>
+        <p:nvPicPr>
+          <p:cNvPr id="8" name="Imagem 7">
+            <a:extLst>
+              <a:ext uri="{FF2B5EF4-FFF2-40B4-BE49-F238E27FC236}">
+                <a16:creationId xmlns:a16="http://schemas.microsoft.com/office/drawing/2014/main" id="{420253FF-2BFD-47FA-8D7B-A1E990AA5663}"/>
+              </a:ext>
+            </a:extLst>
+          </p:cNvPr>
+          <p:cNvPicPr>
+            <a:picLocks noChangeAspect="1"/>
+          </p:cNvPicPr>
+          <p:nvPr/>
+        </p:nvPicPr>
+        <p:blipFill>
+          <a:blip r:embed="rId3"/>
+          <a:stretch>
+            <a:fillRect/>
+          </a:stretch>
+        </p:blipFill>
+        <p:spPr>
+          <a:xfrm>
+            <a:off x="2655138" y="1766655"/>
+            <a:ext cx="8335538" cy="3324689"/>
+          </a:xfrm>
+          <a:prstGeom prst="rect">
+            <a:avLst/>
+          </a:prstGeom>
+        </p:spPr>
+      </p:pic>
+      <p:pic>
+        <p:nvPicPr>
+          <p:cNvPr id="9" name="Imagem 8">
+            <a:extLst>
+              <a:ext uri="{FF2B5EF4-FFF2-40B4-BE49-F238E27FC236}">
+                <a16:creationId xmlns:a16="http://schemas.microsoft.com/office/drawing/2014/main" id="{A58F6FDB-D2E1-463D-A2A5-4ED257E75D12}"/>
+              </a:ext>
+            </a:extLst>
+          </p:cNvPr>
+          <p:cNvPicPr>
+            <a:picLocks noChangeAspect="1"/>
+          </p:cNvPicPr>
+          <p:nvPr/>
+        </p:nvPicPr>
+        <p:blipFill>
+          <a:blip r:embed="rId4"/>
+          <a:stretch>
+            <a:fillRect/>
+          </a:stretch>
+        </p:blipFill>
+        <p:spPr>
+          <a:xfrm>
+            <a:off x="10343534" y="126656"/>
+            <a:ext cx="1651949" cy="1629972"/>
+          </a:xfrm>
+          <a:prstGeom prst="rect">
+            <a:avLst/>
+          </a:prstGeom>
+        </p:spPr>
+      </p:pic>
+    </p:spTree>
+    <p:extLst>
+      <p:ext uri="{BB962C8B-B14F-4D97-AF65-F5344CB8AC3E}">
+        <p14:creationId xmlns:p14="http://schemas.microsoft.com/office/powerpoint/2010/main" val="2326653279"/>
+      </p:ext>
+    </p:extLst>
+  </p:cSld>
+  <p:clrMapOvr>
+    <a:masterClrMapping/>
+  </p:clrMapOvr>
+</p:sld>
+</file>
+
+<file path=ppt/slides/slide18.xml><?xml version="1.0" encoding="utf-8"?>
+<p:sld xmlns:a="http://schemas.openxmlformats.org/drawingml/2006/main" xmlns:r="http://schemas.openxmlformats.org/officeDocument/2006/relationships" xmlns:p="http://schemas.openxmlformats.org/presentationml/2006/main" show="0">
+  <p:cSld>
+    <p:spTree>
+      <p:nvGrpSpPr>
+        <p:cNvPr id="1" name=""/>
+        <p:cNvGrpSpPr/>
+        <p:nvPr/>
+      </p:nvGrpSpPr>
+      <p:grpSpPr>
+        <a:xfrm>
+          <a:off x="0" y="0"/>
+          <a:ext cx="0" cy="0"/>
+          <a:chOff x="0" y="0"/>
+          <a:chExt cx="0" cy="0"/>
+        </a:xfrm>
+      </p:grpSpPr>
+      <p:sp>
+        <p:nvSpPr>
+          <p:cNvPr id="2" name="Espaço Reservado para Número de Slide 1">
+            <a:extLst>
+              <a:ext uri="{FF2B5EF4-FFF2-40B4-BE49-F238E27FC236}">
+                <a16:creationId xmlns:a16="http://schemas.microsoft.com/office/drawing/2014/main" id="{00A5C847-9B16-45BB-A00A-7493094466B1}"/>
+              </a:ext>
+            </a:extLst>
+          </p:cNvPr>
+          <p:cNvSpPr>
+            <a:spLocks noGrp="1"/>
+          </p:cNvSpPr>
+          <p:nvPr>
+            <p:ph type="sldNum" sz="quarter" idx="12"/>
+          </p:nvPr>
+        </p:nvSpPr>
+        <p:spPr/>
+        <p:txBody>
+          <a:bodyPr/>
+          <a:lstStyle/>
+          <a:p>
+            <a:fld id="{47797270-BFBB-4212-9FDA-8EE01FE91F8C}" type="slidenum">
+              <a:rPr lang="pt-BR" smtClean="0"/>
+              <a:pPr/>
+              <a:t>18</a:t>
+            </a:fld>
+            <a:endParaRPr lang="pt-BR"/>
+          </a:p>
+        </p:txBody>
+      </p:sp>
+      <p:sp>
+        <p:nvSpPr>
+          <p:cNvPr id="7" name="Retângulo 6">
+            <a:extLst>
+              <a:ext uri="{FF2B5EF4-FFF2-40B4-BE49-F238E27FC236}">
+                <a16:creationId xmlns:a16="http://schemas.microsoft.com/office/drawing/2014/main" id="{C0911691-8E5D-4130-9DEF-B295AC8F85B1}"/>
+              </a:ext>
+            </a:extLst>
+          </p:cNvPr>
+          <p:cNvSpPr/>
+          <p:nvPr/>
+        </p:nvSpPr>
+        <p:spPr>
+          <a:xfrm>
+            <a:off x="-134911" y="0"/>
+            <a:ext cx="1758759" cy="6858000"/>
+          </a:xfrm>
+          <a:prstGeom prst="rect">
+            <a:avLst/>
+          </a:prstGeom>
+          <a:solidFill>
+            <a:srgbClr val="053566"/>
+          </a:solidFill>
+        </p:spPr>
+        <p:style>
+          <a:lnRef idx="2">
+            <a:schemeClr val="accent1">
+              <a:shade val="50000"/>
+            </a:schemeClr>
+          </a:lnRef>
+          <a:fillRef idx="1">
+            <a:schemeClr val="accent1"/>
+          </a:fillRef>
+          <a:effectRef idx="0">
+            <a:schemeClr val="accent1"/>
+          </a:effectRef>
+          <a:fontRef idx="minor">
+            <a:schemeClr val="lt1"/>
+          </a:fontRef>
+        </p:style>
+        <p:txBody>
+          <a:bodyPr rtlCol="0" anchor="ctr"/>
+          <a:lstStyle/>
+          <a:p>
+            <a:pPr algn="ctr"/>
+            <a:endParaRPr lang="pt-BR"/>
+          </a:p>
+        </p:txBody>
+      </p:sp>
+      <p:pic>
+        <p:nvPicPr>
+          <p:cNvPr id="4" name="Imagem 3" descr="Logotipo&#10;&#10;Descrição gerada automaticamente">
+            <a:extLst>
+              <a:ext uri="{FF2B5EF4-FFF2-40B4-BE49-F238E27FC236}">
+                <a16:creationId xmlns:a16="http://schemas.microsoft.com/office/drawing/2014/main" id="{A8415950-AE8E-45C0-A2E5-D9B394DF621D}"/>
+              </a:ext>
+            </a:extLst>
+          </p:cNvPr>
+          <p:cNvPicPr>
+            <a:picLocks noChangeAspect="1"/>
+          </p:cNvPicPr>
+          <p:nvPr/>
+        </p:nvPicPr>
+        <p:blipFill>
+          <a:blip r:embed="rId2" cstate="print">
+            <a:extLst>
+              <a:ext uri="{28A0092B-C50C-407E-A947-70E740481C1C}">
+                <a14:useLocalDpi xmlns:a14="http://schemas.microsoft.com/office/drawing/2010/main" val="0"/>
+              </a:ext>
+            </a:extLst>
+          </a:blip>
+          <a:stretch>
+            <a:fillRect/>
+          </a:stretch>
+        </p:blipFill>
+        <p:spPr>
+          <a:xfrm>
+            <a:off x="196516" y="205083"/>
+            <a:ext cx="1106542" cy="1096089"/>
+          </a:xfrm>
+          <a:prstGeom prst="rect">
+            <a:avLst/>
+          </a:prstGeom>
+        </p:spPr>
+      </p:pic>
+      <p:sp>
+        <p:nvSpPr>
+          <p:cNvPr id="5" name="TextBox 4">
+            <a:extLst>
+              <a:ext uri="{FF2B5EF4-FFF2-40B4-BE49-F238E27FC236}">
+                <a16:creationId xmlns:a16="http://schemas.microsoft.com/office/drawing/2014/main" id="{751BADB0-5D73-43E9-9ABB-321766D8AE39}"/>
+              </a:ext>
+            </a:extLst>
+          </p:cNvPr>
+          <p:cNvSpPr txBox="1"/>
+          <p:nvPr/>
+        </p:nvSpPr>
+        <p:spPr>
+          <a:xfrm>
+            <a:off x="2167689" y="483268"/>
+            <a:ext cx="9310436" cy="707886"/>
+          </a:xfrm>
+          <a:prstGeom prst="rect">
+            <a:avLst/>
+          </a:prstGeom>
+          <a:noFill/>
+        </p:spPr>
+        <p:txBody>
+          <a:bodyPr rot="0" spcFirstLastPara="0" vertOverflow="overflow" horzOverflow="overflow" vert="horz" wrap="square" lIns="91440" tIns="45720" rIns="91440" bIns="45720" numCol="1" spcCol="0" rtlCol="0" fromWordArt="0" anchor="t" anchorCtr="0" forceAA="0" compatLnSpc="1">
+            <a:prstTxWarp prst="textNoShape">
+              <a:avLst/>
+            </a:prstTxWarp>
+            <a:spAutoFit/>
+          </a:bodyPr>
+          <a:lstStyle/>
+          <a:p>
+            <a:r>
+              <a:rPr lang="pt-BR" sz="4000" dirty="0"/>
+              <a:t>5&gt; Lista de Gaps</a:t>
+            </a:r>
+          </a:p>
+        </p:txBody>
+      </p:sp>
+      <p:sp>
+        <p:nvSpPr>
+          <p:cNvPr id="6" name="TextBox 5">
+            <a:extLst>
+              <a:ext uri="{FF2B5EF4-FFF2-40B4-BE49-F238E27FC236}">
+                <a16:creationId xmlns:a16="http://schemas.microsoft.com/office/drawing/2014/main" id="{7707AF23-3CBE-4FFF-BC63-D79940FC7E4B}"/>
+              </a:ext>
+            </a:extLst>
+          </p:cNvPr>
+          <p:cNvSpPr txBox="1"/>
+          <p:nvPr/>
+        </p:nvSpPr>
+        <p:spPr>
+          <a:xfrm>
+            <a:off x="2281561" y="1518541"/>
+            <a:ext cx="9310436" cy="3046988"/>
+          </a:xfrm>
+          <a:prstGeom prst="rect">
+            <a:avLst/>
+          </a:prstGeom>
+          <a:noFill/>
+        </p:spPr>
+        <p:txBody>
+          <a:bodyPr wrap="square" rtlCol="0">
+            <a:spAutoFit/>
+          </a:bodyPr>
+          <a:lstStyle/>
+          <a:p>
+            <a:r>
+              <a:rPr lang="pt-BR" sz="2400" dirty="0"/>
+              <a:t>	Aplicativo (app mobile);</a:t>
+            </a:r>
+          </a:p>
+          <a:p>
+            <a:r>
+              <a:rPr lang="pt-BR" sz="2400" dirty="0"/>
+              <a:t>	Serviço de autenticação e autorização;</a:t>
+            </a:r>
+          </a:p>
+          <a:p>
+            <a:r>
+              <a:rPr lang="pt-BR" sz="2400" dirty="0"/>
+              <a:t>	Gateway de pagamento;</a:t>
+            </a:r>
+          </a:p>
+          <a:p>
+            <a:r>
+              <a:rPr lang="pt-BR" sz="2400" dirty="0"/>
+              <a:t>	</a:t>
+            </a:r>
+            <a:r>
+              <a:rPr lang="pt-BR" sz="2400" dirty="0" err="1"/>
+              <a:t>Bot</a:t>
+            </a:r>
+            <a:r>
+              <a:rPr lang="pt-BR" sz="2400" dirty="0"/>
+              <a:t> para primeiro atendimento;</a:t>
+            </a:r>
+          </a:p>
+          <a:p>
+            <a:r>
+              <a:rPr lang="pt-BR" sz="2400" dirty="0"/>
+              <a:t>	PABX para atendimento segundo nível;</a:t>
+            </a:r>
+          </a:p>
+          <a:p>
+            <a:r>
+              <a:rPr lang="pt-BR" sz="2400" dirty="0"/>
+              <a:t>	</a:t>
+            </a:r>
+            <a:r>
+              <a:rPr lang="pt-BR" sz="2400" dirty="0" err="1"/>
+              <a:t>IoT</a:t>
+            </a:r>
+            <a:r>
+              <a:rPr lang="pt-BR" sz="2400" dirty="0"/>
+              <a:t> para controle de eventos do veículos;</a:t>
+            </a:r>
+          </a:p>
+          <a:p>
+            <a:r>
+              <a:rPr lang="pt-BR" sz="2400" dirty="0"/>
+              <a:t>	Atuador para ações de bloqueio;</a:t>
+            </a:r>
+          </a:p>
+          <a:p>
+            <a:r>
+              <a:rPr lang="pt-BR" sz="2400" dirty="0"/>
+              <a:t>	GPS para poder realizar a cobrança por km;</a:t>
+            </a:r>
+          </a:p>
+        </p:txBody>
+      </p:sp>
+    </p:spTree>
+    <p:extLst>
+      <p:ext uri="{BB962C8B-B14F-4D97-AF65-F5344CB8AC3E}">
+        <p14:creationId xmlns:p14="http://schemas.microsoft.com/office/powerpoint/2010/main" val="1590005671"/>
+      </p:ext>
+    </p:extLst>
+  </p:cSld>
+  <p:clrMapOvr>
+    <a:masterClrMapping/>
+  </p:clrMapOvr>
+</p:sld>
+</file>
+
+<file path=ppt/slides/slide19.xml><?xml version="1.0" encoding="utf-8"?>
+<p:sld xmlns:a="http://schemas.openxmlformats.org/drawingml/2006/main" xmlns:r="http://schemas.openxmlformats.org/officeDocument/2006/relationships" xmlns:p="http://schemas.openxmlformats.org/presentationml/2006/main">
+  <p:cSld>
+    <p:spTree>
+      <p:nvGrpSpPr>
+        <p:cNvPr id="1" name=""/>
+        <p:cNvGrpSpPr/>
+        <p:nvPr/>
+      </p:nvGrpSpPr>
+      <p:grpSpPr>
+        <a:xfrm>
+          <a:off x="0" y="0"/>
+          <a:ext cx="0" cy="0"/>
+          <a:chOff x="0" y="0"/>
+          <a:chExt cx="0" cy="0"/>
+        </a:xfrm>
+      </p:grpSpPr>
+      <p:sp>
+        <p:nvSpPr>
+          <p:cNvPr id="2" name="Espaço Reservado para Número de Slide 1">
+            <a:extLst>
+              <a:ext uri="{FF2B5EF4-FFF2-40B4-BE49-F238E27FC236}">
+                <a16:creationId xmlns:a16="http://schemas.microsoft.com/office/drawing/2014/main" id="{00A5C847-9B16-45BB-A00A-7493094466B1}"/>
+              </a:ext>
+            </a:extLst>
+          </p:cNvPr>
+          <p:cNvSpPr>
+            <a:spLocks noGrp="1"/>
+          </p:cNvSpPr>
+          <p:nvPr>
+            <p:ph type="sldNum" sz="quarter" idx="12"/>
+          </p:nvPr>
+        </p:nvSpPr>
+        <p:spPr/>
+        <p:txBody>
+          <a:bodyPr/>
+          <a:lstStyle/>
+          <a:p>
+            <a:fld id="{47797270-BFBB-4212-9FDA-8EE01FE91F8C}" type="slidenum">
+              <a:rPr lang="pt-BR" smtClean="0"/>
+              <a:pPr/>
+              <a:t>19</a:t>
+            </a:fld>
+            <a:endParaRPr lang="pt-BR"/>
+          </a:p>
+        </p:txBody>
+      </p:sp>
+      <p:sp>
+        <p:nvSpPr>
+          <p:cNvPr id="7" name="Retângulo 6">
+            <a:extLst>
+              <a:ext uri="{FF2B5EF4-FFF2-40B4-BE49-F238E27FC236}">
+                <a16:creationId xmlns:a16="http://schemas.microsoft.com/office/drawing/2014/main" id="{C0911691-8E5D-4130-9DEF-B295AC8F85B1}"/>
+              </a:ext>
+            </a:extLst>
+          </p:cNvPr>
+          <p:cNvSpPr/>
+          <p:nvPr/>
+        </p:nvSpPr>
+        <p:spPr>
+          <a:xfrm>
+            <a:off x="-134911" y="0"/>
+            <a:ext cx="1758759" cy="6858000"/>
+          </a:xfrm>
+          <a:prstGeom prst="rect">
+            <a:avLst/>
+          </a:prstGeom>
+          <a:solidFill>
+            <a:srgbClr val="053566"/>
+          </a:solidFill>
+        </p:spPr>
+        <p:style>
+          <a:lnRef idx="2">
+            <a:schemeClr val="accent1">
+              <a:shade val="50000"/>
+            </a:schemeClr>
+          </a:lnRef>
+          <a:fillRef idx="1">
+            <a:schemeClr val="accent1"/>
+          </a:fillRef>
+          <a:effectRef idx="0">
+            <a:schemeClr val="accent1"/>
+          </a:effectRef>
+          <a:fontRef idx="minor">
+            <a:schemeClr val="lt1"/>
+          </a:fontRef>
+        </p:style>
+        <p:txBody>
+          <a:bodyPr rtlCol="0" anchor="ctr"/>
+          <a:lstStyle/>
+          <a:p>
+            <a:pPr algn="ctr"/>
+            <a:endParaRPr lang="pt-BR"/>
+          </a:p>
+        </p:txBody>
+      </p:sp>
+      <p:pic>
+        <p:nvPicPr>
+          <p:cNvPr id="4" name="Imagem 3" descr="Logotipo&#10;&#10;Descrição gerada automaticamente">
+            <a:extLst>
+              <a:ext uri="{FF2B5EF4-FFF2-40B4-BE49-F238E27FC236}">
+                <a16:creationId xmlns:a16="http://schemas.microsoft.com/office/drawing/2014/main" id="{A8415950-AE8E-45C0-A2E5-D9B394DF621D}"/>
+              </a:ext>
+            </a:extLst>
+          </p:cNvPr>
+          <p:cNvPicPr>
+            <a:picLocks noChangeAspect="1"/>
+          </p:cNvPicPr>
+          <p:nvPr/>
+        </p:nvPicPr>
+        <p:blipFill>
+          <a:blip r:embed="rId2" cstate="print">
+            <a:extLst>
+              <a:ext uri="{28A0092B-C50C-407E-A947-70E740481C1C}">
+                <a14:useLocalDpi xmlns:a14="http://schemas.microsoft.com/office/drawing/2010/main" val="0"/>
+              </a:ext>
+            </a:extLst>
+          </a:blip>
+          <a:stretch>
+            <a:fillRect/>
+          </a:stretch>
+        </p:blipFill>
+        <p:spPr>
+          <a:xfrm>
+            <a:off x="196516" y="205083"/>
+            <a:ext cx="1106542" cy="1096089"/>
+          </a:xfrm>
+          <a:prstGeom prst="rect">
+            <a:avLst/>
+          </a:prstGeom>
+        </p:spPr>
+      </p:pic>
+      <p:sp>
+        <p:nvSpPr>
+          <p:cNvPr id="5" name="TextBox 4">
+            <a:extLst>
+              <a:ext uri="{FF2B5EF4-FFF2-40B4-BE49-F238E27FC236}">
+                <a16:creationId xmlns:a16="http://schemas.microsoft.com/office/drawing/2014/main" id="{751BADB0-5D73-43E9-9ABB-321766D8AE39}"/>
+              </a:ext>
+            </a:extLst>
+          </p:cNvPr>
+          <p:cNvSpPr txBox="1"/>
+          <p:nvPr/>
+        </p:nvSpPr>
+        <p:spPr>
+          <a:xfrm>
+            <a:off x="2167689" y="483268"/>
+            <a:ext cx="9310436" cy="707886"/>
+          </a:xfrm>
+          <a:prstGeom prst="rect">
+            <a:avLst/>
+          </a:prstGeom>
+          <a:noFill/>
+        </p:spPr>
+        <p:txBody>
+          <a:bodyPr rot="0" spcFirstLastPara="0" vertOverflow="overflow" horzOverflow="overflow" vert="horz" wrap="square" lIns="91440" tIns="45720" rIns="91440" bIns="45720" numCol="1" spcCol="0" rtlCol="0" fromWordArt="0" anchor="t" anchorCtr="0" forceAA="0" compatLnSpc="1">
+            <a:prstTxWarp prst="textNoShape">
+              <a:avLst/>
+            </a:prstTxWarp>
+            <a:spAutoFit/>
+          </a:bodyPr>
+          <a:lstStyle/>
+          <a:p>
+            <a:r>
+              <a:rPr lang="pt-BR" sz="4000" dirty="0"/>
+              <a:t>4&gt; Lista de Gaps</a:t>
+            </a:r>
+          </a:p>
+        </p:txBody>
+      </p:sp>
+      <p:pic>
+        <p:nvPicPr>
+          <p:cNvPr id="1026" name="Picture 2"/>
+          <p:cNvPicPr>
+            <a:picLocks noChangeAspect="1" noChangeArrowheads="1"/>
+          </p:cNvPicPr>
+          <p:nvPr/>
+        </p:nvPicPr>
+        <p:blipFill>
+          <a:blip r:embed="rId3"/>
+          <a:srcRect/>
+          <a:stretch>
+            <a:fillRect/>
+          </a:stretch>
+        </p:blipFill>
+        <p:spPr bwMode="auto">
+          <a:xfrm>
+            <a:off x="2274698" y="1387126"/>
+            <a:ext cx="7335838" cy="5076825"/>
+          </a:xfrm>
+          <a:prstGeom prst="rect">
+            <a:avLst/>
+          </a:prstGeom>
+          <a:noFill/>
+          <a:ln w="9525">
+            <a:noFill/>
+            <a:miter lim="800000"/>
+            <a:headEnd/>
+            <a:tailEnd/>
+          </a:ln>
+          <a:effectLst/>
+        </p:spPr>
+      </p:pic>
+    </p:spTree>
+    <p:extLst>
+      <p:ext uri="{BB962C8B-B14F-4D97-AF65-F5344CB8AC3E}">
+        <p14:creationId xmlns:p14="http://schemas.microsoft.com/office/powerpoint/2010/main" val="2621678612"/>
       </p:ext>
     </p:extLst>
   </p:cSld>
@@ -5196,7 +7203,7 @@
         <p:spPr>
           <a:xfrm>
             <a:off x="2724111" y="1357706"/>
-            <a:ext cx="3614546" cy="3046988"/>
+            <a:ext cx="3614546" cy="2677656"/>
           </a:xfrm>
           <a:prstGeom prst="rect">
             <a:avLst/>
@@ -5232,25 +7239,19 @@
           <a:p>
             <a:r>
               <a:rPr lang="pt-BR" sz="2400" dirty="0"/>
-              <a:t>3&gt; Arquitetura Atual</a:t>
+              <a:t>3&gt; Arquitetura</a:t>
             </a:r>
           </a:p>
           <a:p>
             <a:r>
               <a:rPr lang="pt-BR" sz="2400" dirty="0"/>
-              <a:t>4&gt; Arquitetura Futura</a:t>
+              <a:t>4&gt; Lista de Gaps</a:t>
             </a:r>
           </a:p>
           <a:p>
             <a:r>
               <a:rPr lang="pt-BR" sz="2400" dirty="0"/>
-              <a:t>5&gt; Lista de Gaps</a:t>
-            </a:r>
-          </a:p>
-          <a:p>
-            <a:r>
-              <a:rPr lang="pt-BR" sz="2400" dirty="0"/>
-              <a:t>6&gt; </a:t>
+              <a:t>5&gt; </a:t>
             </a:r>
             <a:r>
               <a:rPr lang="pt-BR" sz="2400" dirty="0" err="1"/>
@@ -5265,7 +7266,7 @@
               <a:rPr lang="pt-BR" sz="2400" dirty="0">
                 <a:cs typeface="Calibri"/>
               </a:rPr>
-              <a:t>7&gt; Referências</a:t>
+              <a:t>6&gt; Referências</a:t>
             </a:r>
             <a:endParaRPr lang="en-US" sz="2400" dirty="0">
               <a:cs typeface="Calibri"/>
@@ -5277,6 +7278,751 @@
     <p:extLst>
       <p:ext uri="{BB962C8B-B14F-4D97-AF65-F5344CB8AC3E}">
         <p14:creationId xmlns:p14="http://schemas.microsoft.com/office/powerpoint/2010/main" val="2004314188"/>
+      </p:ext>
+    </p:extLst>
+  </p:cSld>
+  <p:clrMapOvr>
+    <a:masterClrMapping/>
+  </p:clrMapOvr>
+</p:sld>
+</file>
+
+<file path=ppt/slides/slide20.xml><?xml version="1.0" encoding="utf-8"?>
+<p:sld xmlns:a="http://schemas.openxmlformats.org/drawingml/2006/main" xmlns:r="http://schemas.openxmlformats.org/officeDocument/2006/relationships" xmlns:p="http://schemas.openxmlformats.org/presentationml/2006/main">
+  <p:cSld>
+    <p:spTree>
+      <p:nvGrpSpPr>
+        <p:cNvPr id="1" name=""/>
+        <p:cNvGrpSpPr/>
+        <p:nvPr/>
+      </p:nvGrpSpPr>
+      <p:grpSpPr>
+        <a:xfrm>
+          <a:off x="0" y="0"/>
+          <a:ext cx="0" cy="0"/>
+          <a:chOff x="0" y="0"/>
+          <a:chExt cx="0" cy="0"/>
+        </a:xfrm>
+      </p:grpSpPr>
+      <p:sp>
+        <p:nvSpPr>
+          <p:cNvPr id="2" name="Espaço Reservado para Número de Slide 1">
+            <a:extLst>
+              <a:ext uri="{FF2B5EF4-FFF2-40B4-BE49-F238E27FC236}">
+                <a16:creationId xmlns:a16="http://schemas.microsoft.com/office/drawing/2014/main" id="{00A5C847-9B16-45BB-A00A-7493094466B1}"/>
+              </a:ext>
+            </a:extLst>
+          </p:cNvPr>
+          <p:cNvSpPr>
+            <a:spLocks noGrp="1"/>
+          </p:cNvSpPr>
+          <p:nvPr>
+            <p:ph type="sldNum" sz="quarter" idx="12"/>
+          </p:nvPr>
+        </p:nvSpPr>
+        <p:spPr/>
+        <p:txBody>
+          <a:bodyPr/>
+          <a:lstStyle/>
+          <a:p>
+            <a:fld id="{47797270-BFBB-4212-9FDA-8EE01FE91F8C}" type="slidenum">
+              <a:rPr lang="pt-BR" smtClean="0"/>
+              <a:pPr/>
+              <a:t>20</a:t>
+            </a:fld>
+            <a:endParaRPr lang="pt-BR"/>
+          </a:p>
+        </p:txBody>
+      </p:sp>
+      <p:sp>
+        <p:nvSpPr>
+          <p:cNvPr id="7" name="Retângulo 6">
+            <a:extLst>
+              <a:ext uri="{FF2B5EF4-FFF2-40B4-BE49-F238E27FC236}">
+                <a16:creationId xmlns:a16="http://schemas.microsoft.com/office/drawing/2014/main" id="{C0911691-8E5D-4130-9DEF-B295AC8F85B1}"/>
+              </a:ext>
+            </a:extLst>
+          </p:cNvPr>
+          <p:cNvSpPr/>
+          <p:nvPr/>
+        </p:nvSpPr>
+        <p:spPr>
+          <a:xfrm>
+            <a:off x="-134911" y="0"/>
+            <a:ext cx="1758759" cy="6840036"/>
+          </a:xfrm>
+          <a:prstGeom prst="rect">
+            <a:avLst/>
+          </a:prstGeom>
+          <a:solidFill>
+            <a:srgbClr val="053566"/>
+          </a:solidFill>
+        </p:spPr>
+        <p:style>
+          <a:lnRef idx="2">
+            <a:schemeClr val="accent1">
+              <a:shade val="50000"/>
+            </a:schemeClr>
+          </a:lnRef>
+          <a:fillRef idx="1">
+            <a:schemeClr val="accent1"/>
+          </a:fillRef>
+          <a:effectRef idx="0">
+            <a:schemeClr val="accent1"/>
+          </a:effectRef>
+          <a:fontRef idx="minor">
+            <a:schemeClr val="lt1"/>
+          </a:fontRef>
+        </p:style>
+        <p:txBody>
+          <a:bodyPr rtlCol="0" anchor="ctr"/>
+          <a:lstStyle/>
+          <a:p>
+            <a:pPr algn="ctr"/>
+            <a:endParaRPr lang="pt-BR"/>
+          </a:p>
+        </p:txBody>
+      </p:sp>
+      <p:pic>
+        <p:nvPicPr>
+          <p:cNvPr id="4" name="Imagem 3" descr="Logotipo&#10;&#10;Descrição gerada automaticamente">
+            <a:extLst>
+              <a:ext uri="{FF2B5EF4-FFF2-40B4-BE49-F238E27FC236}">
+                <a16:creationId xmlns:a16="http://schemas.microsoft.com/office/drawing/2014/main" id="{A8415950-AE8E-45C0-A2E5-D9B394DF621D}"/>
+              </a:ext>
+            </a:extLst>
+          </p:cNvPr>
+          <p:cNvPicPr>
+            <a:picLocks noChangeAspect="1"/>
+          </p:cNvPicPr>
+          <p:nvPr/>
+        </p:nvPicPr>
+        <p:blipFill>
+          <a:blip r:embed="rId2" cstate="print">
+            <a:extLst>
+              <a:ext uri="{28A0092B-C50C-407E-A947-70E740481C1C}">
+                <a14:useLocalDpi xmlns:a14="http://schemas.microsoft.com/office/drawing/2010/main" val="0"/>
+              </a:ext>
+            </a:extLst>
+          </a:blip>
+          <a:stretch>
+            <a:fillRect/>
+          </a:stretch>
+        </p:blipFill>
+        <p:spPr>
+          <a:xfrm>
+            <a:off x="196516" y="205083"/>
+            <a:ext cx="1106542" cy="1096089"/>
+          </a:xfrm>
+          <a:prstGeom prst="rect">
+            <a:avLst/>
+          </a:prstGeom>
+        </p:spPr>
+      </p:pic>
+      <p:sp>
+        <p:nvSpPr>
+          <p:cNvPr id="5" name="TextBox 4">
+            <a:extLst>
+              <a:ext uri="{FF2B5EF4-FFF2-40B4-BE49-F238E27FC236}">
+                <a16:creationId xmlns:a16="http://schemas.microsoft.com/office/drawing/2014/main" id="{751BADB0-5D73-43E9-9ABB-321766D8AE39}"/>
+              </a:ext>
+            </a:extLst>
+          </p:cNvPr>
+          <p:cNvSpPr txBox="1"/>
+          <p:nvPr/>
+        </p:nvSpPr>
+        <p:spPr>
+          <a:xfrm>
+            <a:off x="2167689" y="483268"/>
+            <a:ext cx="9310436" cy="707886"/>
+          </a:xfrm>
+          <a:prstGeom prst="rect">
+            <a:avLst/>
+          </a:prstGeom>
+          <a:noFill/>
+        </p:spPr>
+        <p:txBody>
+          <a:bodyPr rot="0" spcFirstLastPara="0" vertOverflow="overflow" horzOverflow="overflow" vert="horz" wrap="square" lIns="91440" tIns="45720" rIns="91440" bIns="45720" numCol="1" spcCol="0" rtlCol="0" fromWordArt="0" anchor="t" anchorCtr="0" forceAA="0" compatLnSpc="1">
+            <a:prstTxWarp prst="textNoShape">
+              <a:avLst/>
+            </a:prstTxWarp>
+            <a:spAutoFit/>
+          </a:bodyPr>
+          <a:lstStyle/>
+          <a:p>
+            <a:r>
+              <a:rPr lang="pt-BR" sz="4000" dirty="0"/>
+              <a:t>5&gt; </a:t>
+            </a:r>
+            <a:r>
+              <a:rPr lang="pt-BR" sz="4000" dirty="0" err="1"/>
+              <a:t>Roadmap</a:t>
+            </a:r>
+            <a:endParaRPr lang="en-US" sz="4000" dirty="0">
+              <a:cs typeface="Calibri"/>
+            </a:endParaRPr>
+          </a:p>
+        </p:txBody>
+      </p:sp>
+      <p:pic>
+        <p:nvPicPr>
+          <p:cNvPr id="6" name="Imagem 5">
+            <a:extLst>
+              <a:ext uri="{FF2B5EF4-FFF2-40B4-BE49-F238E27FC236}">
+                <a16:creationId xmlns:a16="http://schemas.microsoft.com/office/drawing/2014/main" id="{8B580FD7-53C6-484C-AE45-DAB10AB25317}"/>
+              </a:ext>
+            </a:extLst>
+          </p:cNvPr>
+          <p:cNvPicPr>
+            <a:picLocks noChangeAspect="1"/>
+          </p:cNvPicPr>
+          <p:nvPr/>
+        </p:nvPicPr>
+        <p:blipFill>
+          <a:blip r:embed="rId3"/>
+          <a:stretch>
+            <a:fillRect/>
+          </a:stretch>
+        </p:blipFill>
+        <p:spPr>
+          <a:xfrm>
+            <a:off x="1992910" y="1720879"/>
+            <a:ext cx="9913383" cy="2993734"/>
+          </a:xfrm>
+          <a:prstGeom prst="rect">
+            <a:avLst/>
+          </a:prstGeom>
+        </p:spPr>
+      </p:pic>
+    </p:spTree>
+    <p:extLst>
+      <p:ext uri="{BB962C8B-B14F-4D97-AF65-F5344CB8AC3E}">
+        <p14:creationId xmlns:p14="http://schemas.microsoft.com/office/powerpoint/2010/main" val="3464431714"/>
+      </p:ext>
+    </p:extLst>
+  </p:cSld>
+  <p:clrMapOvr>
+    <a:masterClrMapping/>
+  </p:clrMapOvr>
+</p:sld>
+</file>
+
+<file path=ppt/slides/slide21.xml><?xml version="1.0" encoding="utf-8"?>
+<p:sld xmlns:a="http://schemas.openxmlformats.org/drawingml/2006/main" xmlns:r="http://schemas.openxmlformats.org/officeDocument/2006/relationships" xmlns:p="http://schemas.openxmlformats.org/presentationml/2006/main">
+  <p:cSld>
+    <p:spTree>
+      <p:nvGrpSpPr>
+        <p:cNvPr id="1" name=""/>
+        <p:cNvGrpSpPr/>
+        <p:nvPr/>
+      </p:nvGrpSpPr>
+      <p:grpSpPr>
+        <a:xfrm>
+          <a:off x="0" y="0"/>
+          <a:ext cx="0" cy="0"/>
+          <a:chOff x="0" y="0"/>
+          <a:chExt cx="0" cy="0"/>
+        </a:xfrm>
+      </p:grpSpPr>
+      <p:sp>
+        <p:nvSpPr>
+          <p:cNvPr id="2" name="Espaço Reservado para Número de Slide 1">
+            <a:extLst>
+              <a:ext uri="{FF2B5EF4-FFF2-40B4-BE49-F238E27FC236}">
+                <a16:creationId xmlns:a16="http://schemas.microsoft.com/office/drawing/2014/main" id="{00A5C847-9B16-45BB-A00A-7493094466B1}"/>
+              </a:ext>
+            </a:extLst>
+          </p:cNvPr>
+          <p:cNvSpPr>
+            <a:spLocks noGrp="1"/>
+          </p:cNvSpPr>
+          <p:nvPr>
+            <p:ph type="sldNum" sz="quarter" idx="12"/>
+          </p:nvPr>
+        </p:nvSpPr>
+        <p:spPr/>
+        <p:txBody>
+          <a:bodyPr/>
+          <a:lstStyle/>
+          <a:p>
+            <a:fld id="{47797270-BFBB-4212-9FDA-8EE01FE91F8C}" type="slidenum">
+              <a:rPr lang="pt-BR" smtClean="0"/>
+              <a:pPr/>
+              <a:t>21</a:t>
+            </a:fld>
+            <a:endParaRPr lang="pt-BR"/>
+          </a:p>
+        </p:txBody>
+      </p:sp>
+      <p:sp>
+        <p:nvSpPr>
+          <p:cNvPr id="7" name="Retângulo 6">
+            <a:extLst>
+              <a:ext uri="{FF2B5EF4-FFF2-40B4-BE49-F238E27FC236}">
+                <a16:creationId xmlns:a16="http://schemas.microsoft.com/office/drawing/2014/main" id="{C0911691-8E5D-4130-9DEF-B295AC8F85B1}"/>
+              </a:ext>
+            </a:extLst>
+          </p:cNvPr>
+          <p:cNvSpPr/>
+          <p:nvPr/>
+        </p:nvSpPr>
+        <p:spPr>
+          <a:xfrm>
+            <a:off x="-134911" y="0"/>
+            <a:ext cx="1758759" cy="6858000"/>
+          </a:xfrm>
+          <a:prstGeom prst="rect">
+            <a:avLst/>
+          </a:prstGeom>
+          <a:solidFill>
+            <a:srgbClr val="053566"/>
+          </a:solidFill>
+        </p:spPr>
+        <p:style>
+          <a:lnRef idx="2">
+            <a:schemeClr val="accent1">
+              <a:shade val="50000"/>
+            </a:schemeClr>
+          </a:lnRef>
+          <a:fillRef idx="1">
+            <a:schemeClr val="accent1"/>
+          </a:fillRef>
+          <a:effectRef idx="0">
+            <a:schemeClr val="accent1"/>
+          </a:effectRef>
+          <a:fontRef idx="minor">
+            <a:schemeClr val="lt1"/>
+          </a:fontRef>
+        </p:style>
+        <p:txBody>
+          <a:bodyPr rtlCol="0" anchor="ctr"/>
+          <a:lstStyle/>
+          <a:p>
+            <a:pPr algn="ctr"/>
+            <a:endParaRPr lang="pt-BR"/>
+          </a:p>
+        </p:txBody>
+      </p:sp>
+      <p:pic>
+        <p:nvPicPr>
+          <p:cNvPr id="4" name="Imagem 3" descr="Logotipo&#10;&#10;Descrição gerada automaticamente">
+            <a:extLst>
+              <a:ext uri="{FF2B5EF4-FFF2-40B4-BE49-F238E27FC236}">
+                <a16:creationId xmlns:a16="http://schemas.microsoft.com/office/drawing/2014/main" id="{A8415950-AE8E-45C0-A2E5-D9B394DF621D}"/>
+              </a:ext>
+            </a:extLst>
+          </p:cNvPr>
+          <p:cNvPicPr>
+            <a:picLocks noChangeAspect="1"/>
+          </p:cNvPicPr>
+          <p:nvPr/>
+        </p:nvPicPr>
+        <p:blipFill>
+          <a:blip r:embed="rId2" cstate="print">
+            <a:extLst>
+              <a:ext uri="{28A0092B-C50C-407E-A947-70E740481C1C}">
+                <a14:useLocalDpi xmlns:a14="http://schemas.microsoft.com/office/drawing/2010/main" val="0"/>
+              </a:ext>
+            </a:extLst>
+          </a:blip>
+          <a:stretch>
+            <a:fillRect/>
+          </a:stretch>
+        </p:blipFill>
+        <p:spPr>
+          <a:xfrm>
+            <a:off x="196516" y="205083"/>
+            <a:ext cx="1106542" cy="1096089"/>
+          </a:xfrm>
+          <a:prstGeom prst="rect">
+            <a:avLst/>
+          </a:prstGeom>
+        </p:spPr>
+      </p:pic>
+      <p:sp>
+        <p:nvSpPr>
+          <p:cNvPr id="5" name="TextBox 4">
+            <a:extLst>
+              <a:ext uri="{FF2B5EF4-FFF2-40B4-BE49-F238E27FC236}">
+                <a16:creationId xmlns:a16="http://schemas.microsoft.com/office/drawing/2014/main" id="{751BADB0-5D73-43E9-9ABB-321766D8AE39}"/>
+              </a:ext>
+            </a:extLst>
+          </p:cNvPr>
+          <p:cNvSpPr txBox="1"/>
+          <p:nvPr/>
+        </p:nvSpPr>
+        <p:spPr>
+          <a:xfrm>
+            <a:off x="2167689" y="483268"/>
+            <a:ext cx="9310436" cy="707886"/>
+          </a:xfrm>
+          <a:prstGeom prst="rect">
+            <a:avLst/>
+          </a:prstGeom>
+          <a:noFill/>
+        </p:spPr>
+        <p:txBody>
+          <a:bodyPr rot="0" spcFirstLastPara="0" vertOverflow="overflow" horzOverflow="overflow" vert="horz" wrap="square" lIns="91440" tIns="45720" rIns="91440" bIns="45720" numCol="1" spcCol="0" rtlCol="0" fromWordArt="0" anchor="t" anchorCtr="0" forceAA="0" compatLnSpc="1">
+            <a:prstTxWarp prst="textNoShape">
+              <a:avLst/>
+            </a:prstTxWarp>
+            <a:spAutoFit/>
+          </a:bodyPr>
+          <a:lstStyle/>
+          <a:p>
+            <a:r>
+              <a:rPr lang="pt-BR" sz="4000"/>
+              <a:t>6&gt; </a:t>
+            </a:r>
+            <a:r>
+              <a:rPr lang="pt-BR" sz="4000" dirty="0"/>
+              <a:t>Referências</a:t>
+            </a:r>
+            <a:endParaRPr lang="en-US" sz="4000" dirty="0">
+              <a:cs typeface="Calibri"/>
+            </a:endParaRPr>
+          </a:p>
+        </p:txBody>
+      </p:sp>
+      <p:sp>
+        <p:nvSpPr>
+          <p:cNvPr id="8" name="TextBox 7">
+            <a:extLst>
+              <a:ext uri="{FF2B5EF4-FFF2-40B4-BE49-F238E27FC236}">
+                <a16:creationId xmlns:a16="http://schemas.microsoft.com/office/drawing/2014/main" id="{1702C54B-60FD-499C-8312-64CB63717FBA}"/>
+              </a:ext>
+            </a:extLst>
+          </p:cNvPr>
+          <p:cNvSpPr txBox="1"/>
+          <p:nvPr/>
+        </p:nvSpPr>
+        <p:spPr>
+          <a:xfrm>
+            <a:off x="2281561" y="1518541"/>
+            <a:ext cx="9310436" cy="1754326"/>
+          </a:xfrm>
+          <a:prstGeom prst="rect">
+            <a:avLst/>
+          </a:prstGeom>
+          <a:noFill/>
+        </p:spPr>
+        <p:txBody>
+          <a:bodyPr wrap="square" rtlCol="0">
+            <a:spAutoFit/>
+          </a:bodyPr>
+          <a:lstStyle/>
+          <a:p>
+            <a:endParaRPr lang="pt-BR" dirty="0">
+              <a:hlinkClick r:id="rId3"/>
+            </a:endParaRPr>
+          </a:p>
+          <a:p>
+            <a:endParaRPr lang="pt-BR" dirty="0">
+              <a:hlinkClick r:id="rId3"/>
+            </a:endParaRPr>
+          </a:p>
+          <a:p>
+            <a:r>
+              <a:rPr lang="pt-BR" dirty="0">
+                <a:hlinkClick r:id="rId3"/>
+              </a:rPr>
+              <a:t>https://www.sutori.com/story/arquitetura-corporativa-pgparq01c1-2n-p1--Hd2C3j3aXyG8ytpf7cNsToAf</a:t>
+            </a:r>
+            <a:endParaRPr lang="pt-BR" dirty="0"/>
+          </a:p>
+          <a:p>
+            <a:r>
+              <a:rPr lang="pt-BR" dirty="0">
+                <a:hlinkClick r:id="rId4"/>
+              </a:rPr>
+              <a:t>https://youtu.be/48IgijQig6s</a:t>
+            </a:r>
+            <a:endParaRPr lang="pt-BR" dirty="0"/>
+          </a:p>
+          <a:p>
+            <a:endParaRPr lang="pt-BR" dirty="0"/>
+          </a:p>
+        </p:txBody>
+      </p:sp>
+    </p:spTree>
+    <p:extLst>
+      <p:ext uri="{BB962C8B-B14F-4D97-AF65-F5344CB8AC3E}">
+        <p14:creationId xmlns:p14="http://schemas.microsoft.com/office/powerpoint/2010/main" val="1847670266"/>
+      </p:ext>
+    </p:extLst>
+  </p:cSld>
+  <p:clrMapOvr>
+    <a:masterClrMapping/>
+  </p:clrMapOvr>
+</p:sld>
+</file>
+
+<file path=ppt/slides/slide22.xml><?xml version="1.0" encoding="utf-8"?>
+<p:sld xmlns:a="http://schemas.openxmlformats.org/drawingml/2006/main" xmlns:r="http://schemas.openxmlformats.org/officeDocument/2006/relationships" xmlns:p="http://schemas.openxmlformats.org/presentationml/2006/main">
+  <p:cSld>
+    <p:spTree>
+      <p:nvGrpSpPr>
+        <p:cNvPr id="1" name=""/>
+        <p:cNvGrpSpPr/>
+        <p:nvPr/>
+      </p:nvGrpSpPr>
+      <p:grpSpPr>
+        <a:xfrm>
+          <a:off x="0" y="0"/>
+          <a:ext cx="0" cy="0"/>
+          <a:chOff x="0" y="0"/>
+          <a:chExt cx="0" cy="0"/>
+        </a:xfrm>
+      </p:grpSpPr>
+      <p:sp>
+        <p:nvSpPr>
+          <p:cNvPr id="6" name="Retângulo 5">
+            <a:extLst>
+              <a:ext uri="{FF2B5EF4-FFF2-40B4-BE49-F238E27FC236}">
+                <a16:creationId xmlns:a16="http://schemas.microsoft.com/office/drawing/2014/main" id="{1A99BFEF-E15F-4101-9163-CC25659DBF38}"/>
+              </a:ext>
+            </a:extLst>
+          </p:cNvPr>
+          <p:cNvSpPr/>
+          <p:nvPr/>
+        </p:nvSpPr>
+        <p:spPr>
+          <a:xfrm>
+            <a:off x="0" y="0"/>
+            <a:ext cx="12192000" cy="4646951"/>
+          </a:xfrm>
+          <a:prstGeom prst="rect">
+            <a:avLst/>
+          </a:prstGeom>
+          <a:solidFill>
+            <a:srgbClr val="053566"/>
+          </a:solidFill>
+        </p:spPr>
+        <p:style>
+          <a:lnRef idx="2">
+            <a:schemeClr val="accent1">
+              <a:shade val="50000"/>
+            </a:schemeClr>
+          </a:lnRef>
+          <a:fillRef idx="1">
+            <a:schemeClr val="accent1"/>
+          </a:fillRef>
+          <a:effectRef idx="0">
+            <a:schemeClr val="accent1"/>
+          </a:effectRef>
+          <a:fontRef idx="minor">
+            <a:schemeClr val="lt1"/>
+          </a:fontRef>
+        </p:style>
+        <p:txBody>
+          <a:bodyPr rtlCol="0" anchor="ctr"/>
+          <a:lstStyle/>
+          <a:p>
+            <a:pPr algn="ctr"/>
+            <a:endParaRPr lang="pt-BR"/>
+          </a:p>
+        </p:txBody>
+      </p:sp>
+      <p:sp>
+        <p:nvSpPr>
+          <p:cNvPr id="3" name="Subtítulo 2"/>
+          <p:cNvSpPr>
+            <a:spLocks noGrp="1"/>
+          </p:cNvSpPr>
+          <p:nvPr>
+            <p:ph type="subTitle" idx="1"/>
+          </p:nvPr>
+        </p:nvSpPr>
+        <p:spPr>
+          <a:xfrm>
+            <a:off x="0" y="4960137"/>
+            <a:ext cx="12192000" cy="1463040"/>
+          </a:xfrm>
+          <a:solidFill>
+            <a:schemeClr val="bg1"/>
+          </a:solidFill>
+        </p:spPr>
+        <p:txBody>
+          <a:bodyPr vert="horz" lIns="91440" tIns="45720" rIns="91440" bIns="45720" rtlCol="0" anchor="t">
+            <a:normAutofit/>
+          </a:bodyPr>
+          <a:lstStyle/>
+          <a:p>
+            <a:r>
+              <a:rPr lang="pt-BR" sz="6000" dirty="0">
+                <a:cs typeface="Calibri"/>
+              </a:rPr>
+              <a:t>Obrigado!</a:t>
+            </a:r>
+            <a:endParaRPr lang="en-US" sz="5400" dirty="0">
+              <a:cs typeface="Calibri" panose="020F0502020204030204"/>
+            </a:endParaRPr>
+          </a:p>
+        </p:txBody>
+      </p:sp>
+      <p:pic>
+        <p:nvPicPr>
+          <p:cNvPr id="4" name="Imagem 3"/>
+          <p:cNvPicPr>
+            <a:picLocks noChangeAspect="1"/>
+          </p:cNvPicPr>
+          <p:nvPr/>
+        </p:nvPicPr>
+        <p:blipFill>
+          <a:blip r:embed="rId3" cstate="print">
+            <a:extLst>
+              <a:ext uri="{28A0092B-C50C-407E-A947-70E740481C1C}">
+                <a14:useLocalDpi xmlns:a14="http://schemas.microsoft.com/office/drawing/2010/main" val="0"/>
+              </a:ext>
+            </a:extLst>
+          </a:blip>
+          <a:stretch>
+            <a:fillRect/>
+          </a:stretch>
+        </p:blipFill>
+        <p:spPr>
+          <a:xfrm>
+            <a:off x="457200" y="415636"/>
+            <a:ext cx="3532909" cy="3522456"/>
+          </a:xfrm>
+          <a:prstGeom prst="rect">
+            <a:avLst/>
+          </a:prstGeom>
+        </p:spPr>
+      </p:pic>
+      <p:sp>
+        <p:nvSpPr>
+          <p:cNvPr id="5" name="Título 1"/>
+          <p:cNvSpPr txBox="1">
+            <a:spLocks/>
+          </p:cNvSpPr>
+          <p:nvPr/>
+        </p:nvSpPr>
+        <p:spPr>
+          <a:xfrm>
+            <a:off x="3990109" y="415636"/>
+            <a:ext cx="7772400" cy="2386941"/>
+          </a:xfrm>
+          <a:prstGeom prst="rect">
+            <a:avLst/>
+          </a:prstGeom>
+        </p:spPr>
+        <p:txBody>
+          <a:bodyPr vert="horz" lIns="91440" tIns="45720" rIns="91440" bIns="45720" rtlCol="0" anchor="ctr">
+            <a:normAutofit/>
+          </a:bodyPr>
+          <a:lstStyle>
+            <a:lvl1pPr algn="r" defTabSz="914400" rtl="0" eaLnBrk="1" latinLnBrk="0" hangingPunct="1">
+              <a:lnSpc>
+                <a:spcPct val="80000"/>
+              </a:lnSpc>
+              <a:spcBef>
+                <a:spcPct val="0"/>
+              </a:spcBef>
+              <a:buNone/>
+              <a:defRPr sz="5000" kern="1200" cap="all" spc="200" baseline="0">
+                <a:solidFill>
+                  <a:schemeClr val="tx1">
+                    <a:lumMod val="90000"/>
+                    <a:lumOff val="10000"/>
+                  </a:schemeClr>
+                </a:solidFill>
+                <a:latin typeface="+mj-lt"/>
+                <a:ea typeface="+mj-ea"/>
+                <a:cs typeface="+mj-cs"/>
+              </a:defRPr>
+            </a:lvl1pPr>
+          </a:lstStyle>
+          <a:p>
+            <a:r>
+              <a:rPr lang="en-US" dirty="0">
+                <a:solidFill>
+                  <a:schemeClr val="bg1"/>
+                </a:solidFill>
+                <a:cs typeface="Calibri Light"/>
+              </a:rPr>
+              <a:t>PGPARQ01C1-2N-P1</a:t>
+            </a:r>
+          </a:p>
+          <a:p>
+            <a:r>
+              <a:rPr lang="en-US" dirty="0">
+                <a:solidFill>
+                  <a:schemeClr val="bg1"/>
+                </a:solidFill>
+                <a:cs typeface="Calibri Light"/>
+              </a:rPr>
+              <a:t>Arquitetura </a:t>
+            </a:r>
+            <a:r>
+              <a:rPr lang="en-US" dirty="0" err="1">
+                <a:solidFill>
+                  <a:schemeClr val="bg1"/>
+                </a:solidFill>
+                <a:cs typeface="Calibri Light"/>
+              </a:rPr>
+              <a:t>Corporativa</a:t>
+            </a:r>
+            <a:endParaRPr lang="en-US" dirty="0">
+              <a:solidFill>
+                <a:schemeClr val="bg1"/>
+              </a:solidFill>
+              <a:cs typeface="Calibri Light"/>
+            </a:endParaRPr>
+          </a:p>
+          <a:p>
+            <a:endParaRPr lang="pt-BR" dirty="0">
+              <a:solidFill>
+                <a:schemeClr val="bg1"/>
+              </a:solidFill>
+              <a:cs typeface="Calibri Light"/>
+            </a:endParaRPr>
+          </a:p>
+        </p:txBody>
+      </p:sp>
+      <p:sp>
+        <p:nvSpPr>
+          <p:cNvPr id="7" name="CaixaDeTexto 6">
+            <a:extLst>
+              <a:ext uri="{FF2B5EF4-FFF2-40B4-BE49-F238E27FC236}">
+                <a16:creationId xmlns:a16="http://schemas.microsoft.com/office/drawing/2014/main" id="{276CA7EF-8884-4CFA-A74A-DA1915DCC6FD}"/>
+              </a:ext>
+            </a:extLst>
+          </p:cNvPr>
+          <p:cNvSpPr txBox="1"/>
+          <p:nvPr/>
+        </p:nvSpPr>
+        <p:spPr>
+          <a:xfrm>
+            <a:off x="10810660" y="4168947"/>
+            <a:ext cx="1381340" cy="369332"/>
+          </a:xfrm>
+          <a:prstGeom prst="rect">
+            <a:avLst/>
+          </a:prstGeom>
+          <a:noFill/>
+        </p:spPr>
+        <p:txBody>
+          <a:bodyPr wrap="none" rtlCol="0">
+            <a:spAutoFit/>
+          </a:bodyPr>
+          <a:lstStyle/>
+          <a:p>
+            <a:r>
+              <a:rPr lang="pt-BR" dirty="0">
+                <a:solidFill>
+                  <a:schemeClr val="bg1"/>
+                </a:solidFill>
+              </a:rPr>
+              <a:t>Projeto final</a:t>
+            </a:r>
+          </a:p>
+        </p:txBody>
+      </p:sp>
+    </p:spTree>
+    <p:extLst>
+      <p:ext uri="{BB962C8B-B14F-4D97-AF65-F5344CB8AC3E}">
+        <p14:creationId xmlns:p14="http://schemas.microsoft.com/office/powerpoint/2010/main" val="892426542"/>
       </p:ext>
     </p:extLst>
   </p:cSld>
@@ -6020,7 +8766,7 @@
 </file>
 
 <file path=ppt/slides/slide6.xml><?xml version="1.0" encoding="utf-8"?>
-<p:sld xmlns:a="http://schemas.openxmlformats.org/drawingml/2006/main" xmlns:r="http://schemas.openxmlformats.org/officeDocument/2006/relationships" xmlns:p="http://schemas.openxmlformats.org/presentationml/2006/main">
+<p:sld xmlns:a="http://schemas.openxmlformats.org/drawingml/2006/main" xmlns:r="http://schemas.openxmlformats.org/officeDocument/2006/relationships" xmlns:p="http://schemas.openxmlformats.org/presentationml/2006/main" show="0">
   <p:cSld>
     <p:spTree>
       <p:nvGrpSpPr>
@@ -6184,7 +8930,7 @@
           <a:p>
             <a:r>
               <a:rPr lang="pt-BR" sz="4000" dirty="0"/>
-              <a:t>3&gt; Arquitetura Atual</a:t>
+              <a:t>3&gt; Arquitetura</a:t>
             </a:r>
           </a:p>
         </p:txBody>
@@ -6233,7 +8979,7 @@
 </file>
 
 <file path=ppt/slides/slide7.xml><?xml version="1.0" encoding="utf-8"?>
-<p:sld xmlns:a="http://schemas.openxmlformats.org/drawingml/2006/main" xmlns:r="http://schemas.openxmlformats.org/officeDocument/2006/relationships" xmlns:p="http://schemas.openxmlformats.org/presentationml/2006/main">
+<p:sld xmlns:a="http://schemas.openxmlformats.org/drawingml/2006/main" xmlns:r="http://schemas.openxmlformats.org/officeDocument/2006/relationships" xmlns:p="http://schemas.openxmlformats.org/presentationml/2006/main" show="0">
   <p:cSld>
     <p:spTree>
       <p:nvGrpSpPr>
@@ -6397,7 +9143,7 @@
           <a:p>
             <a:r>
               <a:rPr lang="pt-BR" sz="4000" dirty="0"/>
-              <a:t>4&gt; Arquitetura Futura</a:t>
+              <a:t>4&gt; Arquitetura</a:t>
             </a:r>
           </a:p>
         </p:txBody>
@@ -6610,108 +9356,75 @@
           <a:p>
             <a:r>
               <a:rPr lang="pt-BR" sz="4000" dirty="0"/>
-              <a:t>5&gt; Lista de Gaps</a:t>
-            </a:r>
-          </a:p>
-        </p:txBody>
-      </p:sp>
-      <p:sp>
-        <p:nvSpPr>
-          <p:cNvPr id="6" name="TextBox 5">
-            <a:extLst>
-              <a:ext uri="{FF2B5EF4-FFF2-40B4-BE49-F238E27FC236}">
-                <a16:creationId xmlns:a16="http://schemas.microsoft.com/office/drawing/2014/main" id="{7707AF23-3CBE-4FFF-BC63-D79940FC7E4B}"/>
-              </a:ext>
-            </a:extLst>
-          </p:cNvPr>
-          <p:cNvSpPr txBox="1"/>
-          <p:nvPr/>
-        </p:nvSpPr>
-        <p:spPr>
-          <a:xfrm>
-            <a:off x="2281561" y="1518541"/>
-            <a:ext cx="9310436" cy="3046988"/>
-          </a:xfrm>
-          <a:prstGeom prst="rect">
-            <a:avLst/>
-          </a:prstGeom>
-          <a:noFill/>
-        </p:spPr>
-        <p:txBody>
-          <a:bodyPr wrap="square" rtlCol="0">
-            <a:spAutoFit/>
-          </a:bodyPr>
-          <a:lstStyle/>
-          <a:p>
-            <a:r>
-              <a:rPr lang="pt-BR" sz="2400" dirty="0"/>
-              <a:t>	Aplicativo (app mobile);</a:t>
-            </a:r>
-          </a:p>
-          <a:p>
-            <a:r>
-              <a:rPr lang="pt-BR" sz="2400" dirty="0"/>
-              <a:t>	Serviço de autenticação e autorização;</a:t>
-            </a:r>
-          </a:p>
-          <a:p>
-            <a:r>
-              <a:rPr lang="pt-BR" sz="2400" dirty="0"/>
-              <a:t>	Gateway de pagamento;</a:t>
-            </a:r>
-          </a:p>
-          <a:p>
-            <a:r>
-              <a:rPr lang="pt-BR" sz="2400" dirty="0"/>
-              <a:t>	</a:t>
-            </a:r>
-            <a:r>
-              <a:rPr lang="pt-BR" sz="2400" dirty="0" err="1"/>
-              <a:t>Bot</a:t>
-            </a:r>
-            <a:r>
-              <a:rPr lang="pt-BR" sz="2400" dirty="0"/>
-              <a:t> para primeiro atendimento;</a:t>
-            </a:r>
-          </a:p>
-          <a:p>
-            <a:r>
-              <a:rPr lang="pt-BR" sz="2400" dirty="0"/>
-              <a:t>	PABX para atendimento segundo nível;</a:t>
-            </a:r>
-          </a:p>
-          <a:p>
-            <a:r>
-              <a:rPr lang="pt-BR" sz="2400" dirty="0"/>
-              <a:t>	</a:t>
-            </a:r>
-            <a:r>
-              <a:rPr lang="pt-BR" sz="2400" dirty="0" err="1"/>
-              <a:t>IoT</a:t>
-            </a:r>
-            <a:r>
-              <a:rPr lang="pt-BR" sz="2400" dirty="0"/>
-              <a:t> para controle de eventos do veículos;</a:t>
-            </a:r>
-          </a:p>
-          <a:p>
-            <a:r>
-              <a:rPr lang="pt-BR" sz="2400" dirty="0"/>
-              <a:t>	Atuador para ações de bloqueio;</a:t>
-            </a:r>
-          </a:p>
-          <a:p>
-            <a:r>
-              <a:rPr lang="pt-BR" sz="2400" dirty="0"/>
-              <a:t>	GPS para poder realizar a cobrança por km;</a:t>
-            </a:r>
-          </a:p>
-        </p:txBody>
-      </p:sp>
+              <a:t>3&gt; Arquitetura</a:t>
+            </a:r>
+          </a:p>
+        </p:txBody>
+      </p:sp>
+      <p:pic>
+        <p:nvPicPr>
+          <p:cNvPr id="6" name="Imagem 5">
+            <a:extLst>
+              <a:ext uri="{FF2B5EF4-FFF2-40B4-BE49-F238E27FC236}">
+                <a16:creationId xmlns:a16="http://schemas.microsoft.com/office/drawing/2014/main" id="{773DC13E-E2CC-499D-8CE8-945694557D0F}"/>
+              </a:ext>
+            </a:extLst>
+          </p:cNvPr>
+          <p:cNvPicPr>
+            <a:picLocks noChangeAspect="1"/>
+          </p:cNvPicPr>
+          <p:nvPr/>
+        </p:nvPicPr>
+        <p:blipFill>
+          <a:blip r:embed="rId3"/>
+          <a:stretch>
+            <a:fillRect/>
+          </a:stretch>
+        </p:blipFill>
+        <p:spPr>
+          <a:xfrm>
+            <a:off x="2356261" y="2184431"/>
+            <a:ext cx="9573087" cy="2489137"/>
+          </a:xfrm>
+          <a:prstGeom prst="rect">
+            <a:avLst/>
+          </a:prstGeom>
+        </p:spPr>
+      </p:pic>
+      <p:pic>
+        <p:nvPicPr>
+          <p:cNvPr id="8" name="Imagem 7">
+            <a:extLst>
+              <a:ext uri="{FF2B5EF4-FFF2-40B4-BE49-F238E27FC236}">
+                <a16:creationId xmlns:a16="http://schemas.microsoft.com/office/drawing/2014/main" id="{0D461BB1-B8E8-44E7-87CC-15E3D0B72601}"/>
+              </a:ext>
+            </a:extLst>
+          </p:cNvPr>
+          <p:cNvPicPr>
+            <a:picLocks noChangeAspect="1"/>
+          </p:cNvPicPr>
+          <p:nvPr/>
+        </p:nvPicPr>
+        <p:blipFill>
+          <a:blip r:embed="rId4"/>
+          <a:stretch>
+            <a:fillRect/>
+          </a:stretch>
+        </p:blipFill>
+        <p:spPr>
+          <a:xfrm>
+            <a:off x="10463159" y="136525"/>
+            <a:ext cx="1558808" cy="1283902"/>
+          </a:xfrm>
+          <a:prstGeom prst="rect">
+            <a:avLst/>
+          </a:prstGeom>
+        </p:spPr>
+      </p:pic>
     </p:spTree>
     <p:extLst>
       <p:ext uri="{BB962C8B-B14F-4D97-AF65-F5344CB8AC3E}">
-        <p14:creationId xmlns:p14="http://schemas.microsoft.com/office/powerpoint/2010/main" val="1590005671"/>
+        <p14:creationId xmlns:p14="http://schemas.microsoft.com/office/powerpoint/2010/main" val="3911839333"/>
       </p:ext>
     </p:extLst>
   </p:cSld>
@@ -6886,48 +9599,75 @@
           <a:p>
             <a:r>
               <a:rPr lang="pt-BR" sz="4000" dirty="0"/>
-              <a:t>5&gt; Lista de Gaps</a:t>
+              <a:t>3&gt; Arquitetura</a:t>
             </a:r>
           </a:p>
         </p:txBody>
       </p:sp>
       <p:pic>
         <p:nvPicPr>
-          <p:cNvPr id="1026" name="Picture 2"/>
+          <p:cNvPr id="8" name="Imagem 7">
+            <a:extLst>
+              <a:ext uri="{FF2B5EF4-FFF2-40B4-BE49-F238E27FC236}">
+                <a16:creationId xmlns:a16="http://schemas.microsoft.com/office/drawing/2014/main" id="{F9E46F6A-E42C-40AB-80BF-97BC6A3DD1C6}"/>
+              </a:ext>
+            </a:extLst>
+          </p:cNvPr>
           <p:cNvPicPr>
-            <a:picLocks noChangeAspect="1" noChangeArrowheads="1"/>
+            <a:picLocks noChangeAspect="1"/>
           </p:cNvPicPr>
           <p:nvPr/>
         </p:nvPicPr>
         <p:blipFill>
           <a:blip r:embed="rId3"/>
-          <a:srcRect/>
           <a:stretch>
             <a:fillRect/>
           </a:stretch>
         </p:blipFill>
-        <p:spPr bwMode="auto">
-          <a:xfrm>
-            <a:off x="2274698" y="1387126"/>
-            <a:ext cx="7335838" cy="5076825"/>
-          </a:xfrm>
-          <a:prstGeom prst="rect">
-            <a:avLst/>
-          </a:prstGeom>
-          <a:noFill/>
-          <a:ln w="9525">
-            <a:noFill/>
-            <a:miter lim="800000"/>
-            <a:headEnd/>
-            <a:tailEnd/>
-          </a:ln>
-          <a:effectLst/>
+        <p:spPr>
+          <a:xfrm>
+            <a:off x="3093349" y="2266788"/>
+            <a:ext cx="7459116" cy="2324424"/>
+          </a:xfrm>
+          <a:prstGeom prst="rect">
+            <a:avLst/>
+          </a:prstGeom>
+        </p:spPr>
+      </p:pic>
+      <p:pic>
+        <p:nvPicPr>
+          <p:cNvPr id="10" name="Imagem 9">
+            <a:extLst>
+              <a:ext uri="{FF2B5EF4-FFF2-40B4-BE49-F238E27FC236}">
+                <a16:creationId xmlns:a16="http://schemas.microsoft.com/office/drawing/2014/main" id="{20FC5D5B-64A5-4BDD-99C9-201D1A606B38}"/>
+              </a:ext>
+            </a:extLst>
+          </p:cNvPr>
+          <p:cNvPicPr>
+            <a:picLocks noChangeAspect="1"/>
+          </p:cNvPicPr>
+          <p:nvPr/>
+        </p:nvPicPr>
+        <p:blipFill>
+          <a:blip r:embed="rId4"/>
+          <a:stretch>
+            <a:fillRect/>
+          </a:stretch>
+        </p:blipFill>
+        <p:spPr>
+          <a:xfrm>
+            <a:off x="10463159" y="136525"/>
+            <a:ext cx="1558808" cy="1283902"/>
+          </a:xfrm>
+          <a:prstGeom prst="rect">
+            <a:avLst/>
+          </a:prstGeom>
         </p:spPr>
       </p:pic>
     </p:spTree>
     <p:extLst>
       <p:ext uri="{BB962C8B-B14F-4D97-AF65-F5344CB8AC3E}">
-        <p14:creationId xmlns:p14="http://schemas.microsoft.com/office/powerpoint/2010/main" val="2621678612"/>
+        <p14:creationId xmlns:p14="http://schemas.microsoft.com/office/powerpoint/2010/main" val="2681280086"/>
       </p:ext>
     </p:extLst>
   </p:cSld>

--- a/Apresentacao/PGPARQ01C1-2N-P1-projeto-final.pptx
+++ b/Apresentacao/PGPARQ01C1-2N-P1-projeto-final.pptx
@@ -4219,7 +4219,7 @@
               <a:rPr lang="pt-BR" sz="1800" dirty="0">
                 <a:cs typeface="Calibri"/>
               </a:rPr>
-              <a:t>Luís Ribeiro</a:t>
+              <a:t>Luis Ribeiro</a:t>
             </a:r>
             <a:br>
               <a:rPr lang="pt-BR" sz="1800" dirty="0">
@@ -5680,7 +5680,7 @@
           <a:p>
             <a:r>
               <a:rPr lang="pt-BR" sz="4000" dirty="0"/>
-              <a:t>4&gt; Arquitetura</a:t>
+              <a:t>3&gt; Arquitetura</a:t>
             </a:r>
           </a:p>
         </p:txBody>
